--- a/MajorProject.pptx
+++ b/MajorProject.pptx
@@ -7,7 +7,10 @@
   <p:sldIdLst>
     <p:sldId id="256" r:id="rId2"/>
     <p:sldId id="257" r:id="rId3"/>
-    <p:sldId id="258" r:id="rId4"/>
+    <p:sldId id="259" r:id="rId4"/>
+    <p:sldId id="258" r:id="rId5"/>
+    <p:sldId id="261" r:id="rId6"/>
+    <p:sldId id="260" r:id="rId7"/>
   </p:sldIdLst>
   <p:sldSz cx="12192000" cy="6858000"/>
   <p:notesSz cx="6858000" cy="9144000"/>
@@ -106,6 +109,11 @@
       </a:defRPr>
     </a:lvl9pPr>
   </p:defaultTextStyle>
+  <p:extLst>
+    <p:ext uri="{EFAFB233-063F-42B5-8137-9DF3F51BA10A}">
+      <p15:sldGuideLst xmlns:p15="http://schemas.microsoft.com/office/powerpoint/2012/main"/>
+    </p:ext>
+  </p:extLst>
 </p:presentation>
 </file>
 
@@ -256,7 +264,7 @@
           <a:p>
             <a:fld id="{8B05AAC0-D4AE-4527-B9EF-858C07FA3D4E}" type="datetimeFigureOut">
               <a:rPr lang="en-US" smtClean="0"/>
-              <a:t>11/25/2019</a:t>
+              <a:t>11/26/2019</a:t>
             </a:fld>
             <a:endParaRPr lang="en-US"/>
           </a:p>
@@ -454,7 +462,7 @@
           <a:p>
             <a:fld id="{8B05AAC0-D4AE-4527-B9EF-858C07FA3D4E}" type="datetimeFigureOut">
               <a:rPr lang="en-US" smtClean="0"/>
-              <a:t>11/25/2019</a:t>
+              <a:t>11/26/2019</a:t>
             </a:fld>
             <a:endParaRPr lang="en-US"/>
           </a:p>
@@ -662,7 +670,7 @@
           <a:p>
             <a:fld id="{8B05AAC0-D4AE-4527-B9EF-858C07FA3D4E}" type="datetimeFigureOut">
               <a:rPr lang="en-US" smtClean="0"/>
-              <a:t>11/25/2019</a:t>
+              <a:t>11/26/2019</a:t>
             </a:fld>
             <a:endParaRPr lang="en-US"/>
           </a:p>
@@ -860,7 +868,7 @@
           <a:p>
             <a:fld id="{8B05AAC0-D4AE-4527-B9EF-858C07FA3D4E}" type="datetimeFigureOut">
               <a:rPr lang="en-US" smtClean="0"/>
-              <a:t>11/25/2019</a:t>
+              <a:t>11/26/2019</a:t>
             </a:fld>
             <a:endParaRPr lang="en-US"/>
           </a:p>
@@ -1135,7 +1143,7 @@
           <a:p>
             <a:fld id="{8B05AAC0-D4AE-4527-B9EF-858C07FA3D4E}" type="datetimeFigureOut">
               <a:rPr lang="en-US" smtClean="0"/>
-              <a:t>11/25/2019</a:t>
+              <a:t>11/26/2019</a:t>
             </a:fld>
             <a:endParaRPr lang="en-US"/>
           </a:p>
@@ -1400,7 +1408,7 @@
           <a:p>
             <a:fld id="{8B05AAC0-D4AE-4527-B9EF-858C07FA3D4E}" type="datetimeFigureOut">
               <a:rPr lang="en-US" smtClean="0"/>
-              <a:t>11/25/2019</a:t>
+              <a:t>11/26/2019</a:t>
             </a:fld>
             <a:endParaRPr lang="en-US"/>
           </a:p>
@@ -1812,7 +1820,7 @@
           <a:p>
             <a:fld id="{8B05AAC0-D4AE-4527-B9EF-858C07FA3D4E}" type="datetimeFigureOut">
               <a:rPr lang="en-US" smtClean="0"/>
-              <a:t>11/25/2019</a:t>
+              <a:t>11/26/2019</a:t>
             </a:fld>
             <a:endParaRPr lang="en-US"/>
           </a:p>
@@ -1953,7 +1961,7 @@
           <a:p>
             <a:fld id="{8B05AAC0-D4AE-4527-B9EF-858C07FA3D4E}" type="datetimeFigureOut">
               <a:rPr lang="en-US" smtClean="0"/>
-              <a:t>11/25/2019</a:t>
+              <a:t>11/26/2019</a:t>
             </a:fld>
             <a:endParaRPr lang="en-US"/>
           </a:p>
@@ -2066,7 +2074,7 @@
           <a:p>
             <a:fld id="{8B05AAC0-D4AE-4527-B9EF-858C07FA3D4E}" type="datetimeFigureOut">
               <a:rPr lang="en-US" smtClean="0"/>
-              <a:t>11/25/2019</a:t>
+              <a:t>11/26/2019</a:t>
             </a:fld>
             <a:endParaRPr lang="en-US"/>
           </a:p>
@@ -2377,7 +2385,7 @@
           <a:p>
             <a:fld id="{8B05AAC0-D4AE-4527-B9EF-858C07FA3D4E}" type="datetimeFigureOut">
               <a:rPr lang="en-US" smtClean="0"/>
-              <a:t>11/25/2019</a:t>
+              <a:t>11/26/2019</a:t>
             </a:fld>
             <a:endParaRPr lang="en-US"/>
           </a:p>
@@ -2665,7 +2673,7 @@
           <a:p>
             <a:fld id="{8B05AAC0-D4AE-4527-B9EF-858C07FA3D4E}" type="datetimeFigureOut">
               <a:rPr lang="en-US" smtClean="0"/>
-              <a:t>11/25/2019</a:t>
+              <a:t>11/26/2019</a:t>
             </a:fld>
             <a:endParaRPr lang="en-US"/>
           </a:p>
@@ -2906,7 +2914,7 @@
           <a:p>
             <a:fld id="{8B05AAC0-D4AE-4527-B9EF-858C07FA3D4E}" type="datetimeFigureOut">
               <a:rPr lang="en-US" smtClean="0"/>
-              <a:t>11/25/2019</a:t>
+              <a:t>11/26/2019</a:t>
             </a:fld>
             <a:endParaRPr lang="en-US"/>
           </a:p>
@@ -3381,8 +3389,8 @@
         </p:nvSpPr>
         <p:spPr>
           <a:xfrm>
-            <a:off x="695645" y="2967335"/>
-            <a:ext cx="6918960" cy="923330"/>
+            <a:off x="561975" y="2967335"/>
+            <a:ext cx="7052630" cy="923330"/>
           </a:xfrm>
           <a:prstGeom prst="rect">
             <a:avLst/>
@@ -3873,8 +3881,8 @@
         </p:nvSpPr>
         <p:spPr>
           <a:xfrm>
-            <a:off x="0" y="214"/>
-            <a:ext cx="2933700" cy="523220"/>
+            <a:off x="-1" y="214"/>
+            <a:ext cx="3038475" cy="523220"/>
           </a:xfrm>
           <a:prstGeom prst="rect">
             <a:avLst/>
@@ -3895,7 +3903,7 @@
                 <a:latin typeface="Roboto" panose="02000000000000000000" pitchFamily="2" charset="0"/>
                 <a:ea typeface="Roboto" panose="02000000000000000000" pitchFamily="2" charset="0"/>
               </a:rPr>
-              <a:t>Project Manager</a:t>
+              <a:t>OVERVIEW</a:t>
             </a:r>
           </a:p>
         </p:txBody>
@@ -3914,6 +3922,268 @@
 </file>
 
 <file path=ppt/slides/slide3.xml><?xml version="1.0" encoding="utf-8"?>
+<p:sld xmlns:a="http://schemas.openxmlformats.org/drawingml/2006/main" xmlns:r="http://schemas.openxmlformats.org/officeDocument/2006/relationships" xmlns:p="http://schemas.openxmlformats.org/presentationml/2006/main">
+  <p:cSld>
+    <p:bg>
+      <p:bgPr>
+        <a:solidFill>
+          <a:srgbClr val="081A42"/>
+        </a:solidFill>
+        <a:effectLst/>
+      </p:bgPr>
+    </p:bg>
+    <p:spTree>
+      <p:nvGrpSpPr>
+        <p:cNvPr id="1" name=""/>
+        <p:cNvGrpSpPr/>
+        <p:nvPr/>
+      </p:nvGrpSpPr>
+      <p:grpSpPr>
+        <a:xfrm>
+          <a:off x="0" y="0"/>
+          <a:ext cx="0" cy="0"/>
+          <a:chOff x="0" y="0"/>
+          <a:chExt cx="0" cy="0"/>
+        </a:xfrm>
+      </p:grpSpPr>
+      <p:pic>
+        <p:nvPicPr>
+          <p:cNvPr id="4" name="Picture 3">
+            <a:extLst>
+              <a:ext uri="{FF2B5EF4-FFF2-40B4-BE49-F238E27FC236}">
+                <a16:creationId xmlns:a16="http://schemas.microsoft.com/office/drawing/2014/main" id="{014D7FD8-ED04-4449-B482-D9A32015709A}"/>
+              </a:ext>
+            </a:extLst>
+          </p:cNvPr>
+          <p:cNvPicPr>
+            <a:picLocks noChangeAspect="1"/>
+          </p:cNvPicPr>
+          <p:nvPr/>
+        </p:nvPicPr>
+        <p:blipFill>
+          <a:blip r:embed="rId2">
+            <a:extLst>
+              <a:ext uri="{28A0092B-C50C-407E-A947-70E740481C1C}">
+                <a14:useLocalDpi xmlns:a14="http://schemas.microsoft.com/office/drawing/2010/main" val="0"/>
+              </a:ext>
+            </a:extLst>
+          </a:blip>
+          <a:stretch>
+            <a:fillRect/>
+          </a:stretch>
+        </p:blipFill>
+        <p:spPr>
+          <a:xfrm>
+            <a:off x="7614607" y="0"/>
+            <a:ext cx="4577395" cy="6858000"/>
+          </a:xfrm>
+          <a:prstGeom prst="rect">
+            <a:avLst/>
+          </a:prstGeom>
+        </p:spPr>
+      </p:pic>
+      <p:sp>
+        <p:nvSpPr>
+          <p:cNvPr id="5" name="TextBox 4">
+            <a:extLst>
+              <a:ext uri="{FF2B5EF4-FFF2-40B4-BE49-F238E27FC236}">
+                <a16:creationId xmlns:a16="http://schemas.microsoft.com/office/drawing/2014/main" id="{08B5F4A5-4884-4B1B-B7BC-5398690B518D}"/>
+              </a:ext>
+            </a:extLst>
+          </p:cNvPr>
+          <p:cNvSpPr txBox="1"/>
+          <p:nvPr/>
+        </p:nvSpPr>
+        <p:spPr>
+          <a:xfrm>
+            <a:off x="561977" y="117693"/>
+            <a:ext cx="7052630" cy="6740307"/>
+          </a:xfrm>
+          <a:prstGeom prst="rect">
+            <a:avLst/>
+          </a:prstGeom>
+          <a:noFill/>
+        </p:spPr>
+        <p:txBody>
+          <a:bodyPr wrap="square" rtlCol="0">
+            <a:spAutoFit/>
+          </a:bodyPr>
+          <a:lstStyle/>
+          <a:p>
+            <a:r>
+              <a:rPr lang="en-US" sz="3200" b="1" dirty="0">
+                <a:solidFill>
+                  <a:schemeClr val="bg1"/>
+                </a:solidFill>
+                <a:latin typeface="Roboto" panose="02000000000000000000" pitchFamily="2" charset="0"/>
+                <a:ea typeface="Roboto" panose="02000000000000000000" pitchFamily="2" charset="0"/>
+              </a:rPr>
+              <a:t>FEATURES</a:t>
+            </a:r>
+          </a:p>
+          <a:p>
+            <a:endParaRPr lang="en-US" sz="3200" b="1" dirty="0">
+              <a:solidFill>
+                <a:schemeClr val="bg1"/>
+              </a:solidFill>
+              <a:latin typeface="Roboto" panose="02000000000000000000" pitchFamily="2" charset="0"/>
+              <a:ea typeface="Roboto" panose="02000000000000000000" pitchFamily="2" charset="0"/>
+            </a:endParaRPr>
+          </a:p>
+          <a:p>
+            <a:pPr marL="514350" indent="-514350">
+              <a:lnSpc>
+                <a:spcPct val="200000"/>
+              </a:lnSpc>
+              <a:buAutoNum type="arabicPeriod"/>
+            </a:pPr>
+            <a:r>
+              <a:rPr lang="en-US" sz="2400" b="1" dirty="0">
+                <a:solidFill>
+                  <a:schemeClr val="bg1"/>
+                </a:solidFill>
+                <a:latin typeface="Roboto" panose="02000000000000000000" pitchFamily="2" charset="0"/>
+                <a:ea typeface="Roboto" panose="02000000000000000000" pitchFamily="2" charset="0"/>
+              </a:rPr>
+              <a:t>Create/View/Edit/Delete Project</a:t>
+            </a:r>
+          </a:p>
+          <a:p>
+            <a:pPr marL="514350" indent="-514350">
+              <a:lnSpc>
+                <a:spcPct val="200000"/>
+              </a:lnSpc>
+              <a:buAutoNum type="arabicPeriod"/>
+            </a:pPr>
+            <a:r>
+              <a:rPr lang="en-US" sz="2400" b="1" dirty="0">
+                <a:solidFill>
+                  <a:schemeClr val="bg1"/>
+                </a:solidFill>
+                <a:latin typeface="Roboto" panose="02000000000000000000" pitchFamily="2" charset="0"/>
+                <a:ea typeface="Roboto" panose="02000000000000000000" pitchFamily="2" charset="0"/>
+              </a:rPr>
+              <a:t>Create/View/Edit/Delete Tasks</a:t>
+            </a:r>
+          </a:p>
+          <a:p>
+            <a:pPr marL="514350" indent="-514350">
+              <a:lnSpc>
+                <a:spcPct val="200000"/>
+              </a:lnSpc>
+              <a:buAutoNum type="arabicPeriod"/>
+            </a:pPr>
+            <a:r>
+              <a:rPr lang="en-US" sz="2400" b="1" dirty="0">
+                <a:solidFill>
+                  <a:schemeClr val="bg1"/>
+                </a:solidFill>
+                <a:latin typeface="Roboto" panose="02000000000000000000" pitchFamily="2" charset="0"/>
+                <a:ea typeface="Roboto" panose="02000000000000000000" pitchFamily="2" charset="0"/>
+              </a:rPr>
+              <a:t>Add/Remove employees</a:t>
+            </a:r>
+          </a:p>
+          <a:p>
+            <a:pPr marL="514350" indent="-514350">
+              <a:lnSpc>
+                <a:spcPct val="200000"/>
+              </a:lnSpc>
+              <a:buAutoNum type="arabicPeriod"/>
+            </a:pPr>
+            <a:r>
+              <a:rPr lang="en-US" sz="2400" b="1" dirty="0">
+                <a:solidFill>
+                  <a:schemeClr val="bg1"/>
+                </a:solidFill>
+                <a:latin typeface="Roboto" panose="02000000000000000000" pitchFamily="2" charset="0"/>
+                <a:ea typeface="Roboto" panose="02000000000000000000" pitchFamily="2" charset="0"/>
+              </a:rPr>
+              <a:t>View Project info and Team members</a:t>
+            </a:r>
+          </a:p>
+          <a:p>
+            <a:pPr marL="514350" indent="-514350">
+              <a:lnSpc>
+                <a:spcPct val="200000"/>
+              </a:lnSpc>
+              <a:buAutoNum type="arabicPeriod"/>
+            </a:pPr>
+            <a:r>
+              <a:rPr lang="en-US" sz="2400" b="1" dirty="0">
+                <a:solidFill>
+                  <a:schemeClr val="bg1"/>
+                </a:solidFill>
+                <a:latin typeface="Roboto" panose="02000000000000000000" pitchFamily="2" charset="0"/>
+                <a:ea typeface="Roboto" panose="02000000000000000000" pitchFamily="2" charset="0"/>
+              </a:rPr>
+              <a:t>View Reports and Statistics</a:t>
+            </a:r>
+          </a:p>
+          <a:p>
+            <a:pPr marL="514350" indent="-514350">
+              <a:lnSpc>
+                <a:spcPct val="200000"/>
+              </a:lnSpc>
+              <a:buAutoNum type="arabicPeriod"/>
+            </a:pPr>
+            <a:r>
+              <a:rPr lang="en-US" sz="2400" b="1" dirty="0">
+                <a:solidFill>
+                  <a:schemeClr val="bg1"/>
+                </a:solidFill>
+                <a:latin typeface="Roboto" panose="02000000000000000000" pitchFamily="2" charset="0"/>
+                <a:ea typeface="Roboto" panose="02000000000000000000" pitchFamily="2" charset="0"/>
+              </a:rPr>
+              <a:t>Add events to specific date</a:t>
+            </a:r>
+          </a:p>
+          <a:p>
+            <a:pPr marL="514350" indent="-514350">
+              <a:lnSpc>
+                <a:spcPct val="200000"/>
+              </a:lnSpc>
+              <a:buAutoNum type="arabicPeriod"/>
+            </a:pPr>
+            <a:r>
+              <a:rPr lang="en-US" sz="2400" b="1" dirty="0">
+                <a:solidFill>
+                  <a:schemeClr val="bg1"/>
+                </a:solidFill>
+                <a:latin typeface="Roboto" panose="02000000000000000000" pitchFamily="2" charset="0"/>
+                <a:ea typeface="Roboto" panose="02000000000000000000" pitchFamily="2" charset="0"/>
+              </a:rPr>
+              <a:t>Internationalization</a:t>
+            </a:r>
+          </a:p>
+          <a:p>
+            <a:pPr marL="514350" indent="-514350">
+              <a:buAutoNum type="arabicPeriod"/>
+            </a:pPr>
+            <a:endParaRPr lang="en-US" sz="3200" b="1" dirty="0">
+              <a:solidFill>
+                <a:schemeClr val="bg1"/>
+              </a:solidFill>
+              <a:latin typeface="Roboto" panose="02000000000000000000" pitchFamily="2" charset="0"/>
+              <a:ea typeface="Roboto" panose="02000000000000000000" pitchFamily="2" charset="0"/>
+            </a:endParaRPr>
+          </a:p>
+        </p:txBody>
+      </p:sp>
+    </p:spTree>
+    <p:extLst>
+      <p:ext uri="{BB962C8B-B14F-4D97-AF65-F5344CB8AC3E}">
+        <p14:creationId xmlns:p14="http://schemas.microsoft.com/office/powerpoint/2010/main" val="1393320323"/>
+      </p:ext>
+    </p:extLst>
+  </p:cSld>
+  <p:clrMapOvr>
+    <a:masterClrMapping/>
+  </p:clrMapOvr>
+</p:sld>
+</file>
+
+<file path=ppt/slides/slide4.xml><?xml version="1.0" encoding="utf-8"?>
 <p:sld xmlns:a="http://schemas.openxmlformats.org/drawingml/2006/main" xmlns:r="http://schemas.openxmlformats.org/officeDocument/2006/relationships" xmlns:p="http://schemas.openxmlformats.org/presentationml/2006/main">
   <p:cSld>
     <p:spTree>
@@ -4032,8 +4302,8 @@
         </p:nvSpPr>
         <p:spPr>
           <a:xfrm>
-            <a:off x="639271" y="1666959"/>
-            <a:ext cx="10697671" cy="274320"/>
+            <a:off x="639270" y="1666959"/>
+            <a:ext cx="11160000" cy="273600"/>
           </a:xfrm>
           <a:prstGeom prst="rect">
             <a:avLst/>
@@ -4081,8 +4351,8 @@
         </p:nvSpPr>
         <p:spPr>
           <a:xfrm>
-            <a:off x="639271" y="6439574"/>
-            <a:ext cx="10697671" cy="274321"/>
+            <a:off x="639270" y="6439574"/>
+            <a:ext cx="11160000" cy="274321"/>
           </a:xfrm>
           <a:prstGeom prst="rect">
             <a:avLst/>
@@ -4264,7 +4534,7 @@
         </p:nvCxnSpPr>
         <p:spPr>
           <a:xfrm>
-            <a:off x="10681813" y="1496210"/>
+            <a:off x="11197019" y="1505403"/>
             <a:ext cx="0" cy="5361790"/>
           </a:xfrm>
           <a:prstGeom prst="line">
@@ -4389,7 +4659,7 @@
         </p:blipFill>
         <p:spPr>
           <a:xfrm>
-            <a:off x="10231840" y="507530"/>
+            <a:off x="10747046" y="516723"/>
             <a:ext cx="1105102" cy="1159429"/>
           </a:xfrm>
           <a:prstGeom prst="rect">
@@ -4453,7 +4723,7 @@
         </p:nvSpPr>
         <p:spPr>
           <a:xfrm>
-            <a:off x="295274" y="3813446"/>
+            <a:off x="266666" y="3436254"/>
             <a:ext cx="2409825" cy="523220"/>
           </a:xfrm>
           <a:prstGeom prst="rect">
@@ -4495,7 +4765,7 @@
         </p:nvSpPr>
         <p:spPr>
           <a:xfrm>
-            <a:off x="305273" y="5160229"/>
+            <a:off x="307189" y="5348277"/>
             <a:ext cx="2409825" cy="523220"/>
           </a:xfrm>
           <a:prstGeom prst="rect">
@@ -4578,8 +4848,8 @@
         </p:nvCxnSpPr>
         <p:spPr>
           <a:xfrm>
-            <a:off x="7462945" y="3704570"/>
-            <a:ext cx="3218868" cy="0"/>
+            <a:off x="8214444" y="3704570"/>
+            <a:ext cx="1120056" cy="0"/>
           </a:xfrm>
           <a:prstGeom prst="straightConnector1">
             <a:avLst/>
@@ -4619,8 +4889,8 @@
         </p:nvCxnSpPr>
         <p:spPr>
           <a:xfrm flipH="1">
-            <a:off x="7453970" y="4933295"/>
-            <a:ext cx="3227843" cy="0"/>
+            <a:off x="9886950" y="4927439"/>
+            <a:ext cx="1310070" cy="0"/>
           </a:xfrm>
           <a:prstGeom prst="straightConnector1">
             <a:avLst/>
@@ -4862,8 +5132,8 @@
         </p:nvSpPr>
         <p:spPr>
           <a:xfrm>
-            <a:off x="3584693" y="3371356"/>
-            <a:ext cx="750793" cy="369332"/>
+            <a:off x="3535721" y="3438524"/>
+            <a:ext cx="799766" cy="369332"/>
           </a:xfrm>
           <a:prstGeom prst="rect">
             <a:avLst/>
@@ -5018,7 +5288,7 @@
         <p:spPr>
           <a:xfrm>
             <a:off x="0" y="214"/>
-            <a:ext cx="2933700" cy="523220"/>
+            <a:ext cx="3037566" cy="523220"/>
           </a:xfrm>
           <a:prstGeom prst="rect">
             <a:avLst/>
@@ -5031,6 +5301,7 @@
           </a:bodyPr>
           <a:lstStyle/>
           <a:p>
+            <a:pPr algn="ctr"/>
             <a:r>
               <a:rPr lang="en-US" sz="2800" b="1" dirty="0">
                 <a:solidFill>
@@ -5039,7 +5310,537 @@
                 <a:latin typeface="Roboto" panose="02000000000000000000" pitchFamily="2" charset="0"/>
                 <a:ea typeface="Roboto" panose="02000000000000000000" pitchFamily="2" charset="0"/>
               </a:rPr>
-              <a:t>Project Manager</a:t>
+              <a:t>Architecture</a:t>
+            </a:r>
+          </a:p>
+        </p:txBody>
+      </p:sp>
+      <p:sp>
+        <p:nvSpPr>
+          <p:cNvPr id="2" name="TextBox 1">
+            <a:extLst>
+              <a:ext uri="{FF2B5EF4-FFF2-40B4-BE49-F238E27FC236}">
+                <a16:creationId xmlns:a16="http://schemas.microsoft.com/office/drawing/2014/main" id="{C07D6D73-2C04-490B-A82B-D63E66DABBB0}"/>
+              </a:ext>
+            </a:extLst>
+          </p:cNvPr>
+          <p:cNvSpPr txBox="1"/>
+          <p:nvPr/>
+        </p:nvSpPr>
+        <p:spPr>
+          <a:xfrm>
+            <a:off x="6572375" y="2510204"/>
+            <a:ext cx="1534111" cy="400110"/>
+          </a:xfrm>
+          <a:prstGeom prst="rect">
+            <a:avLst/>
+          </a:prstGeom>
+          <a:noFill/>
+        </p:spPr>
+        <p:txBody>
+          <a:bodyPr wrap="square" rtlCol="0">
+            <a:spAutoFit/>
+          </a:bodyPr>
+          <a:lstStyle/>
+          <a:p>
+            <a:pPr algn="ctr"/>
+            <a:r>
+              <a:rPr lang="en-US" sz="2000" dirty="0">
+                <a:solidFill>
+                  <a:srgbClr val="92D050"/>
+                </a:solidFill>
+                <a:latin typeface="Roboto" panose="02000000000000000000"/>
+              </a:rPr>
+              <a:t>Spring Boot</a:t>
+            </a:r>
+            <a:endParaRPr lang="en-IN" sz="2000" dirty="0">
+              <a:solidFill>
+                <a:srgbClr val="92D050"/>
+              </a:solidFill>
+              <a:latin typeface="Roboto" panose="02000000000000000000"/>
+            </a:endParaRPr>
+          </a:p>
+        </p:txBody>
+      </p:sp>
+      <p:sp>
+        <p:nvSpPr>
+          <p:cNvPr id="30" name="TextBox 29">
+            <a:extLst>
+              <a:ext uri="{FF2B5EF4-FFF2-40B4-BE49-F238E27FC236}">
+                <a16:creationId xmlns:a16="http://schemas.microsoft.com/office/drawing/2014/main" id="{9E4BF19A-8EC0-4733-9FB3-CD5690CC3F15}"/>
+              </a:ext>
+            </a:extLst>
+          </p:cNvPr>
+          <p:cNvSpPr txBox="1"/>
+          <p:nvPr/>
+        </p:nvSpPr>
+        <p:spPr>
+          <a:xfrm>
+            <a:off x="6572375" y="2940380"/>
+            <a:ext cx="1642069" cy="400110"/>
+          </a:xfrm>
+          <a:prstGeom prst="rect">
+            <a:avLst/>
+          </a:prstGeom>
+          <a:noFill/>
+        </p:spPr>
+        <p:txBody>
+          <a:bodyPr wrap="square" rtlCol="0">
+            <a:spAutoFit/>
+          </a:bodyPr>
+          <a:lstStyle/>
+          <a:p>
+            <a:pPr algn="ctr"/>
+            <a:r>
+              <a:rPr lang="en-US" sz="2000" dirty="0">
+                <a:solidFill>
+                  <a:srgbClr val="92D050"/>
+                </a:solidFill>
+                <a:latin typeface="Roboto" panose="02000000000000000000"/>
+              </a:rPr>
+              <a:t>Spring MVC</a:t>
+            </a:r>
+            <a:endParaRPr lang="en-IN" sz="2000" dirty="0">
+              <a:solidFill>
+                <a:srgbClr val="92D050"/>
+              </a:solidFill>
+              <a:latin typeface="Roboto" panose="02000000000000000000"/>
+            </a:endParaRPr>
+          </a:p>
+        </p:txBody>
+      </p:sp>
+      <p:cxnSp>
+        <p:nvCxnSpPr>
+          <p:cNvPr id="6" name="Straight Connector 5">
+            <a:extLst>
+              <a:ext uri="{FF2B5EF4-FFF2-40B4-BE49-F238E27FC236}">
+                <a16:creationId xmlns:a16="http://schemas.microsoft.com/office/drawing/2014/main" id="{F6C62AB3-4430-4293-8200-3F1B3FF51129}"/>
+              </a:ext>
+            </a:extLst>
+          </p:cNvPr>
+          <p:cNvCxnSpPr>
+            <a:cxnSpLocks/>
+          </p:cNvCxnSpPr>
+          <p:nvPr/>
+        </p:nvCxnSpPr>
+        <p:spPr>
+          <a:xfrm>
+            <a:off x="9610725" y="913384"/>
+            <a:ext cx="0" cy="5944616"/>
+          </a:xfrm>
+          <a:prstGeom prst="line">
+            <a:avLst/>
+          </a:prstGeom>
+          <a:ln w="317500">
+            <a:solidFill>
+              <a:schemeClr val="accent1">
+                <a:lumMod val="75000"/>
+              </a:schemeClr>
+            </a:solidFill>
+          </a:ln>
+          <a:effectLst>
+            <a:outerShdw blurRad="50800" dist="38100" dir="5400000" algn="t" rotWithShape="0">
+              <a:prstClr val="black">
+                <a:alpha val="40000"/>
+              </a:prstClr>
+            </a:outerShdw>
+          </a:effectLst>
+        </p:spPr>
+        <p:style>
+          <a:lnRef idx="1">
+            <a:schemeClr val="accent1"/>
+          </a:lnRef>
+          <a:fillRef idx="0">
+            <a:schemeClr val="accent1"/>
+          </a:fillRef>
+          <a:effectRef idx="0">
+            <a:schemeClr val="accent1"/>
+          </a:effectRef>
+          <a:fontRef idx="minor">
+            <a:schemeClr val="tx1"/>
+          </a:fontRef>
+        </p:style>
+      </p:cxnSp>
+      <p:cxnSp>
+        <p:nvCxnSpPr>
+          <p:cNvPr id="35" name="Straight Arrow Connector 34">
+            <a:extLst>
+              <a:ext uri="{FF2B5EF4-FFF2-40B4-BE49-F238E27FC236}">
+                <a16:creationId xmlns:a16="http://schemas.microsoft.com/office/drawing/2014/main" id="{9CB2153D-F72B-43CC-BC98-5F2AB45D12D7}"/>
+              </a:ext>
+            </a:extLst>
+          </p:cNvPr>
+          <p:cNvCxnSpPr>
+            <a:cxnSpLocks/>
+          </p:cNvCxnSpPr>
+          <p:nvPr/>
+        </p:nvCxnSpPr>
+        <p:spPr>
+          <a:xfrm flipH="1">
+            <a:off x="8214445" y="5171185"/>
+            <a:ext cx="1120055" cy="0"/>
+          </a:xfrm>
+          <a:prstGeom prst="straightConnector1">
+            <a:avLst/>
+          </a:prstGeom>
+          <a:ln w="28575">
+            <a:prstDash val="solid"/>
+            <a:tailEnd type="triangle"/>
+          </a:ln>
+        </p:spPr>
+        <p:style>
+          <a:lnRef idx="1">
+            <a:schemeClr val="accent1"/>
+          </a:lnRef>
+          <a:fillRef idx="0">
+            <a:schemeClr val="accent1"/>
+          </a:fillRef>
+          <a:effectRef idx="0">
+            <a:schemeClr val="accent1"/>
+          </a:effectRef>
+          <a:fontRef idx="minor">
+            <a:schemeClr val="tx1"/>
+          </a:fontRef>
+        </p:style>
+      </p:cxnSp>
+      <p:cxnSp>
+        <p:nvCxnSpPr>
+          <p:cNvPr id="8" name="Straight Connector 7">
+            <a:extLst>
+              <a:ext uri="{FF2B5EF4-FFF2-40B4-BE49-F238E27FC236}">
+                <a16:creationId xmlns:a16="http://schemas.microsoft.com/office/drawing/2014/main" id="{0EB1485E-590B-4351-9F24-61E030FABCBA}"/>
+              </a:ext>
+            </a:extLst>
+          </p:cNvPr>
+          <p:cNvCxnSpPr/>
+          <p:nvPr/>
+        </p:nvCxnSpPr>
+        <p:spPr>
+          <a:xfrm>
+            <a:off x="9886950" y="913384"/>
+            <a:ext cx="0" cy="5939599"/>
+          </a:xfrm>
+          <a:prstGeom prst="line">
+            <a:avLst/>
+          </a:prstGeom>
+          <a:ln w="38100">
+            <a:prstDash val="sysDash"/>
+          </a:ln>
+        </p:spPr>
+        <p:style>
+          <a:lnRef idx="1">
+            <a:schemeClr val="accent1"/>
+          </a:lnRef>
+          <a:fillRef idx="0">
+            <a:schemeClr val="accent1"/>
+          </a:fillRef>
+          <a:effectRef idx="0">
+            <a:schemeClr val="accent1"/>
+          </a:effectRef>
+          <a:fontRef idx="minor">
+            <a:schemeClr val="tx1"/>
+          </a:fontRef>
+        </p:style>
+      </p:cxnSp>
+      <p:cxnSp>
+        <p:nvCxnSpPr>
+          <p:cNvPr id="36" name="Straight Connector 35">
+            <a:extLst>
+              <a:ext uri="{FF2B5EF4-FFF2-40B4-BE49-F238E27FC236}">
+                <a16:creationId xmlns:a16="http://schemas.microsoft.com/office/drawing/2014/main" id="{4AE56BBB-2DB5-425B-8CFE-040CC42A8DE2}"/>
+              </a:ext>
+            </a:extLst>
+          </p:cNvPr>
+          <p:cNvCxnSpPr/>
+          <p:nvPr/>
+        </p:nvCxnSpPr>
+        <p:spPr>
+          <a:xfrm>
+            <a:off x="9334500" y="927594"/>
+            <a:ext cx="0" cy="5939599"/>
+          </a:xfrm>
+          <a:prstGeom prst="line">
+            <a:avLst/>
+          </a:prstGeom>
+          <a:ln w="38100">
+            <a:prstDash val="sysDash"/>
+          </a:ln>
+        </p:spPr>
+        <p:style>
+          <a:lnRef idx="1">
+            <a:schemeClr val="accent1"/>
+          </a:lnRef>
+          <a:fillRef idx="0">
+            <a:schemeClr val="accent1"/>
+          </a:fillRef>
+          <a:effectRef idx="0">
+            <a:schemeClr val="accent1"/>
+          </a:effectRef>
+          <a:fontRef idx="minor">
+            <a:schemeClr val="tx1"/>
+          </a:fontRef>
+        </p:style>
+      </p:cxnSp>
+      <p:cxnSp>
+        <p:nvCxnSpPr>
+          <p:cNvPr id="38" name="Straight Arrow Connector 37">
+            <a:extLst>
+              <a:ext uri="{FF2B5EF4-FFF2-40B4-BE49-F238E27FC236}">
+                <a16:creationId xmlns:a16="http://schemas.microsoft.com/office/drawing/2014/main" id="{907F3026-44FA-4EED-AA95-E4BA3C1111EC}"/>
+              </a:ext>
+            </a:extLst>
+          </p:cNvPr>
+          <p:cNvCxnSpPr>
+            <a:cxnSpLocks/>
+          </p:cNvCxnSpPr>
+          <p:nvPr/>
+        </p:nvCxnSpPr>
+        <p:spPr>
+          <a:xfrm>
+            <a:off x="9886950" y="4028420"/>
+            <a:ext cx="1310069" cy="0"/>
+          </a:xfrm>
+          <a:prstGeom prst="straightConnector1">
+            <a:avLst/>
+          </a:prstGeom>
+          <a:ln w="28575">
+            <a:tailEnd type="triangle"/>
+          </a:ln>
+        </p:spPr>
+        <p:style>
+          <a:lnRef idx="1">
+            <a:schemeClr val="accent1"/>
+          </a:lnRef>
+          <a:fillRef idx="0">
+            <a:schemeClr val="accent1"/>
+          </a:fillRef>
+          <a:effectRef idx="0">
+            <a:schemeClr val="accent1"/>
+          </a:effectRef>
+          <a:fontRef idx="minor">
+            <a:schemeClr val="tx1"/>
+          </a:fontRef>
+        </p:style>
+      </p:cxnSp>
+      <p:pic>
+        <p:nvPicPr>
+          <p:cNvPr id="20" name="Graphic 19" descr="Server">
+            <a:extLst>
+              <a:ext uri="{FF2B5EF4-FFF2-40B4-BE49-F238E27FC236}">
+                <a16:creationId xmlns:a16="http://schemas.microsoft.com/office/drawing/2014/main" id="{701DA2C1-4A0F-440A-A313-DC4001EC50AA}"/>
+              </a:ext>
+            </a:extLst>
+          </p:cNvPr>
+          <p:cNvPicPr>
+            <a:picLocks noChangeAspect="1"/>
+          </p:cNvPicPr>
+          <p:nvPr/>
+        </p:nvPicPr>
+        <p:blipFill>
+          <a:blip r:embed="rId7">
+            <a:extLst>
+              <a:ext uri="{28A0092B-C50C-407E-A947-70E740481C1C}">
+                <a14:useLocalDpi xmlns:a14="http://schemas.microsoft.com/office/drawing/2010/main" val="0"/>
+              </a:ext>
+              <a:ext uri="{96DAC541-7B7A-43D3-8B79-37D633B846F1}">
+                <asvg:svgBlip xmlns:asvg="http://schemas.microsoft.com/office/drawing/2016/SVG/main" r:embed="rId8"/>
+              </a:ext>
+            </a:extLst>
+          </a:blip>
+          <a:stretch>
+            <a:fillRect/>
+          </a:stretch>
+        </p:blipFill>
+        <p:spPr>
+          <a:xfrm>
+            <a:off x="11251973" y="3525081"/>
+            <a:ext cx="914400" cy="914400"/>
+          </a:xfrm>
+          <a:prstGeom prst="rect">
+            <a:avLst/>
+          </a:prstGeom>
+        </p:spPr>
+      </p:pic>
+      <p:sp>
+        <p:nvSpPr>
+          <p:cNvPr id="37" name="Rectangle: Rounded Corners 36">
+            <a:extLst>
+              <a:ext uri="{FF2B5EF4-FFF2-40B4-BE49-F238E27FC236}">
+                <a16:creationId xmlns:a16="http://schemas.microsoft.com/office/drawing/2014/main" id="{551EF2DC-75F9-42BC-934B-17DA8FBACB96}"/>
+              </a:ext>
+            </a:extLst>
+          </p:cNvPr>
+          <p:cNvSpPr/>
+          <p:nvPr/>
+        </p:nvSpPr>
+        <p:spPr>
+          <a:xfrm>
+            <a:off x="6683979" y="3440830"/>
+            <a:ext cx="1576006" cy="1981840"/>
+          </a:xfrm>
+          <a:prstGeom prst="roundRect">
+            <a:avLst/>
+          </a:prstGeom>
+          <a:solidFill>
+            <a:srgbClr val="68BD45"/>
+          </a:solidFill>
+          <a:ln>
+            <a:noFill/>
+          </a:ln>
+        </p:spPr>
+        <p:style>
+          <a:lnRef idx="2">
+            <a:schemeClr val="accent1">
+              <a:shade val="50000"/>
+            </a:schemeClr>
+          </a:lnRef>
+          <a:fillRef idx="1">
+            <a:schemeClr val="accent1"/>
+          </a:fillRef>
+          <a:effectRef idx="0">
+            <a:schemeClr val="accent1"/>
+          </a:effectRef>
+          <a:fontRef idx="minor">
+            <a:schemeClr val="lt1"/>
+          </a:fontRef>
+        </p:style>
+        <p:txBody>
+          <a:bodyPr rtlCol="0" anchor="ctr"/>
+          <a:lstStyle/>
+          <a:p>
+            <a:pPr algn="ctr"/>
+            <a:endParaRPr lang="en-IN"/>
+          </a:p>
+        </p:txBody>
+      </p:sp>
+      <p:sp>
+        <p:nvSpPr>
+          <p:cNvPr id="51" name="TextBox 50">
+            <a:extLst>
+              <a:ext uri="{FF2B5EF4-FFF2-40B4-BE49-F238E27FC236}">
+                <a16:creationId xmlns:a16="http://schemas.microsoft.com/office/drawing/2014/main" id="{86828FB7-371C-492E-8DF3-A03705CDC9CE}"/>
+              </a:ext>
+            </a:extLst>
+          </p:cNvPr>
+          <p:cNvSpPr txBox="1"/>
+          <p:nvPr/>
+        </p:nvSpPr>
+        <p:spPr>
+          <a:xfrm>
+            <a:off x="6367298" y="4087606"/>
+            <a:ext cx="2312074" cy="584775"/>
+          </a:xfrm>
+          <a:prstGeom prst="rect">
+            <a:avLst/>
+          </a:prstGeom>
+          <a:solidFill>
+            <a:schemeClr val="bg1">
+              <a:lumMod val="85000"/>
+            </a:schemeClr>
+          </a:solidFill>
+        </p:spPr>
+        <p:txBody>
+          <a:bodyPr wrap="square" rtlCol="0">
+            <a:spAutoFit/>
+          </a:bodyPr>
+          <a:lstStyle/>
+          <a:p>
+            <a:pPr algn="ctr"/>
+            <a:r>
+              <a:rPr lang="en-US" sz="3200" dirty="0">
+                <a:solidFill>
+                  <a:srgbClr val="EB3B5A"/>
+                </a:solidFill>
+              </a:rPr>
+              <a:t>ZUUL PROXY</a:t>
+            </a:r>
+            <a:endParaRPr lang="en-IN" sz="3200" dirty="0">
+              <a:solidFill>
+                <a:srgbClr val="EB3B5A"/>
+              </a:solidFill>
+            </a:endParaRPr>
+          </a:p>
+        </p:txBody>
+      </p:sp>
+      <p:sp>
+        <p:nvSpPr>
+          <p:cNvPr id="43" name="TextBox 42">
+            <a:extLst>
+              <a:ext uri="{FF2B5EF4-FFF2-40B4-BE49-F238E27FC236}">
+                <a16:creationId xmlns:a16="http://schemas.microsoft.com/office/drawing/2014/main" id="{CB0B0B8C-8BCC-4EF3-AF73-5399879708B8}"/>
+              </a:ext>
+            </a:extLst>
+          </p:cNvPr>
+          <p:cNvSpPr txBox="1"/>
+          <p:nvPr/>
+        </p:nvSpPr>
+        <p:spPr>
+          <a:xfrm>
+            <a:off x="6844317" y="3486169"/>
+            <a:ext cx="1286770" cy="369332"/>
+          </a:xfrm>
+          <a:prstGeom prst="rect">
+            <a:avLst/>
+          </a:prstGeom>
+          <a:noFill/>
+        </p:spPr>
+        <p:txBody>
+          <a:bodyPr wrap="square" rtlCol="0">
+            <a:spAutoFit/>
+          </a:bodyPr>
+          <a:lstStyle/>
+          <a:p>
+            <a:pPr algn="ctr"/>
+            <a:r>
+              <a:rPr lang="en-IN" dirty="0">
+                <a:solidFill>
+                  <a:schemeClr val="bg1"/>
+                </a:solidFill>
+                <a:latin typeface="Roboto" panose="02000000000000000000"/>
+              </a:rPr>
+              <a:t>localhost</a:t>
+            </a:r>
+          </a:p>
+        </p:txBody>
+      </p:sp>
+      <p:sp>
+        <p:nvSpPr>
+          <p:cNvPr id="52" name="TextBox 51">
+            <a:extLst>
+              <a:ext uri="{FF2B5EF4-FFF2-40B4-BE49-F238E27FC236}">
+                <a16:creationId xmlns:a16="http://schemas.microsoft.com/office/drawing/2014/main" id="{9667B3A4-DDE9-4DE3-AEE7-2B5496A757A6}"/>
+              </a:ext>
+            </a:extLst>
+          </p:cNvPr>
+          <p:cNvSpPr txBox="1"/>
+          <p:nvPr/>
+        </p:nvSpPr>
+        <p:spPr>
+          <a:xfrm>
+            <a:off x="124433" y="4446010"/>
+            <a:ext cx="2751293" cy="461665"/>
+          </a:xfrm>
+          <a:prstGeom prst="rect">
+            <a:avLst/>
+          </a:prstGeom>
+          <a:noFill/>
+        </p:spPr>
+        <p:txBody>
+          <a:bodyPr wrap="square" rtlCol="0">
+            <a:spAutoFit/>
+          </a:bodyPr>
+          <a:lstStyle/>
+          <a:p>
+            <a:pPr algn="ctr"/>
+            <a:r>
+              <a:rPr lang="en-US" sz="2400" b="1" dirty="0">
+                <a:solidFill>
+                  <a:schemeClr val="bg1"/>
+                </a:solidFill>
+                <a:latin typeface="Roboto" panose="02000000000000000000" pitchFamily="2" charset="0"/>
+                <a:ea typeface="Roboto" panose="02000000000000000000" pitchFamily="2" charset="0"/>
+              </a:rPr>
+              <a:t>MICROSERVICES</a:t>
             </a:r>
           </a:p>
         </p:txBody>
@@ -5088,6 +5889,51 @@
                                           </p:stCondLst>
                                         </p:cTn>
                                         <p:tgtEl>
+                                          <p:spTgt spid="41"/>
+                                        </p:tgtEl>
+                                        <p:attrNameLst>
+                                          <p:attrName>style.visibility</p:attrName>
+                                        </p:attrNameLst>
+                                      </p:cBhvr>
+                                      <p:to>
+                                        <p:strVal val="visible"/>
+                                      </p:to>
+                                    </p:set>
+                                  </p:childTnLst>
+                                </p:cTn>
+                              </p:par>
+                            </p:childTnLst>
+                          </p:cTn>
+                        </p:par>
+                      </p:childTnLst>
+                    </p:cTn>
+                  </p:par>
+                  <p:par>
+                    <p:cTn id="7" fill="hold">
+                      <p:stCondLst>
+                        <p:cond delay="indefinite"/>
+                      </p:stCondLst>
+                      <p:childTnLst>
+                        <p:par>
+                          <p:cTn id="8" fill="hold">
+                            <p:stCondLst>
+                              <p:cond delay="0"/>
+                            </p:stCondLst>
+                            <p:childTnLst>
+                              <p:par>
+                                <p:cTn id="9" presetID="1" presetClass="entr" presetSubtype="0" fill="hold" nodeType="clickEffect">
+                                  <p:stCondLst>
+                                    <p:cond delay="0"/>
+                                  </p:stCondLst>
+                                  <p:childTnLst>
+                                    <p:set>
+                                      <p:cBhvr>
+                                        <p:cTn id="10" dur="1" fill="hold">
+                                          <p:stCondLst>
+                                            <p:cond delay="0"/>
+                                          </p:stCondLst>
+                                        </p:cTn>
+                                        <p:tgtEl>
                                           <p:spTgt spid="19"/>
                                         </p:tgtEl>
                                         <p:attrNameLst>
@@ -5102,14 +5948,14 @@
                                 </p:cTn>
                               </p:par>
                               <p:par>
-                                <p:cTn id="7" presetID="1" presetClass="entr" presetSubtype="0" fill="hold" grpId="0" nodeType="withEffect">
+                                <p:cTn id="11" presetID="1" presetClass="entr" presetSubtype="0" fill="hold" grpId="0" nodeType="withEffect">
                                   <p:stCondLst>
                                     <p:cond delay="0"/>
                                   </p:stCondLst>
                                   <p:childTnLst>
                                     <p:set>
                                       <p:cBhvr>
-                                        <p:cTn id="8" dur="1" fill="hold">
+                                        <p:cTn id="12" dur="1" fill="hold">
                                           <p:stCondLst>
                                             <p:cond delay="0"/>
                                           </p:stCondLst>
@@ -5135,32 +5981,32 @@
                     </p:cTn>
                   </p:par>
                   <p:par>
-                    <p:cTn id="9" fill="hold">
+                    <p:cTn id="13" fill="hold">
                       <p:stCondLst>
                         <p:cond delay="indefinite"/>
                       </p:stCondLst>
                       <p:childTnLst>
                         <p:par>
-                          <p:cTn id="10" fill="hold">
+                          <p:cTn id="14" fill="hold">
                             <p:stCondLst>
                               <p:cond delay="0"/>
                             </p:stCondLst>
                             <p:childTnLst>
                               <p:par>
-                                <p:cTn id="11" presetID="1" presetClass="entr" presetSubtype="0" fill="hold" nodeType="clickEffect">
+                                <p:cTn id="15" presetID="1" presetClass="entr" presetSubtype="0" fill="hold" nodeType="clickEffect">
                                   <p:stCondLst>
                                     <p:cond delay="0"/>
                                   </p:stCondLst>
                                   <p:childTnLst>
                                     <p:set>
                                       <p:cBhvr>
-                                        <p:cTn id="12" dur="1" fill="hold">
+                                        <p:cTn id="16" dur="1" fill="hold">
                                           <p:stCondLst>
                                             <p:cond delay="0"/>
                                           </p:stCondLst>
                                         </p:cTn>
                                         <p:tgtEl>
-                                          <p:spTgt spid="21"/>
+                                          <p:spTgt spid="44"/>
                                         </p:tgtEl>
                                         <p:attrNameLst>
                                           <p:attrName>style.visibility</p:attrName>
@@ -5174,20 +6020,128 @@
                                 </p:cTn>
                               </p:par>
                               <p:par>
-                                <p:cTn id="13" presetID="1" presetClass="entr" presetSubtype="0" fill="hold" grpId="0" nodeType="withEffect">
+                                <p:cTn id="17" presetID="1" presetClass="entr" presetSubtype="0" fill="hold" nodeType="withEffect">
                                   <p:stCondLst>
                                     <p:cond delay="0"/>
                                   </p:stCondLst>
                                   <p:childTnLst>
                                     <p:set>
                                       <p:cBhvr>
-                                        <p:cTn id="14" dur="1" fill="hold">
+                                        <p:cTn id="18" dur="1" fill="hold">
                                           <p:stCondLst>
                                             <p:cond delay="0"/>
                                           </p:stCondLst>
                                         </p:cTn>
                                         <p:tgtEl>
-                                          <p:spTgt spid="25"/>
+                                          <p:spTgt spid="45"/>
+                                        </p:tgtEl>
+                                        <p:attrNameLst>
+                                          <p:attrName>style.visibility</p:attrName>
+                                        </p:attrNameLst>
+                                      </p:cBhvr>
+                                      <p:to>
+                                        <p:strVal val="visible"/>
+                                      </p:to>
+                                    </p:set>
+                                  </p:childTnLst>
+                                </p:cTn>
+                              </p:par>
+                              <p:par>
+                                <p:cTn id="19" presetID="1" presetClass="entr" presetSubtype="0" fill="hold" nodeType="withEffect">
+                                  <p:stCondLst>
+                                    <p:cond delay="0"/>
+                                  </p:stCondLst>
+                                  <p:childTnLst>
+                                    <p:set>
+                                      <p:cBhvr>
+                                        <p:cTn id="20" dur="1" fill="hold">
+                                          <p:stCondLst>
+                                            <p:cond delay="0"/>
+                                          </p:stCondLst>
+                                        </p:cTn>
+                                        <p:tgtEl>
+                                          <p:spTgt spid="46"/>
+                                        </p:tgtEl>
+                                        <p:attrNameLst>
+                                          <p:attrName>style.visibility</p:attrName>
+                                        </p:attrNameLst>
+                                      </p:cBhvr>
+                                      <p:to>
+                                        <p:strVal val="visible"/>
+                                      </p:to>
+                                    </p:set>
+                                  </p:childTnLst>
+                                </p:cTn>
+                              </p:par>
+                              <p:par>
+                                <p:cTn id="21" presetID="1" presetClass="entr" presetSubtype="0" fill="hold" grpId="0" nodeType="withEffect">
+                                  <p:stCondLst>
+                                    <p:cond delay="0"/>
+                                  </p:stCondLst>
+                                  <p:childTnLst>
+                                    <p:set>
+                                      <p:cBhvr>
+                                        <p:cTn id="22" dur="1" fill="hold">
+                                          <p:stCondLst>
+                                            <p:cond delay="0"/>
+                                          </p:stCondLst>
+                                        </p:cTn>
+                                        <p:tgtEl>
+                                          <p:spTgt spid="47"/>
+                                        </p:tgtEl>
+                                        <p:attrNameLst>
+                                          <p:attrName>style.visibility</p:attrName>
+                                        </p:attrNameLst>
+                                      </p:cBhvr>
+                                      <p:to>
+                                        <p:strVal val="visible"/>
+                                      </p:to>
+                                    </p:set>
+                                  </p:childTnLst>
+                                </p:cTn>
+                              </p:par>
+                              <p:par>
+                                <p:cTn id="23" presetID="1" presetClass="entr" presetSubtype="0" fill="hold" grpId="0" nodeType="withEffect">
+                                  <p:stCondLst>
+                                    <p:cond delay="0"/>
+                                  </p:stCondLst>
+                                  <p:childTnLst>
+                                    <p:set>
+                                      <p:cBhvr>
+                                        <p:cTn id="24" dur="1" fill="hold">
+                                          <p:stCondLst>
+                                            <p:cond delay="0"/>
+                                          </p:stCondLst>
+                                        </p:cTn>
+                                        <p:tgtEl>
+                                          <p:spTgt spid="48"/>
+                                        </p:tgtEl>
+                                        <p:attrNameLst>
+                                          <p:attrName>style.visibility</p:attrName>
+                                        </p:attrNameLst>
+                                      </p:cBhvr>
+                                      <p:to>
+                                        <p:strVal val="visible"/>
+                                      </p:to>
+                                    </p:set>
+                                  </p:childTnLst>
+                                </p:cTn>
+                              </p:par>
+                              <p:par>
+                                <p:cTn id="25" presetID="1" presetClass="entr" presetSubtype="0" fill="hold" grpId="0" nodeType="withEffect">
+                                  <p:stCondLst>
+                                    <p:cond delay="0"/>
+                                  </p:stCondLst>
+                                  <p:childTnLst>
+                                    <p:set>
+                                      <p:cBhvr>
+                                        <p:cTn id="26" dur="1" fill="hold">
+                                          <p:stCondLst>
+                                            <p:cond delay="0"/>
+                                          </p:stCondLst>
+                                        </p:cTn>
+                                        <p:tgtEl>
+                                          <p:spTgt spid="49"/>
                                         </p:tgtEl>
                                         <p:attrNameLst>
                                           <p:attrName>style.visibility</p:attrName>
@@ -5207,32 +6161,32 @@
                     </p:cTn>
                   </p:par>
                   <p:par>
-                    <p:cTn id="15" fill="hold">
+                    <p:cTn id="27" fill="hold">
                       <p:stCondLst>
                         <p:cond delay="indefinite"/>
                       </p:stCondLst>
                       <p:childTnLst>
                         <p:par>
-                          <p:cTn id="16" fill="hold">
+                          <p:cTn id="28" fill="hold">
                             <p:stCondLst>
                               <p:cond delay="0"/>
                             </p:stCondLst>
                             <p:childTnLst>
                               <p:par>
-                                <p:cTn id="17" presetID="1" presetClass="entr" presetSubtype="0" fill="hold" nodeType="clickEffect">
+                                <p:cTn id="29" presetID="1" presetClass="entr" presetSubtype="0" fill="hold" nodeType="clickEffect">
                                   <p:stCondLst>
                                     <p:cond delay="0"/>
                                   </p:stCondLst>
                                   <p:childTnLst>
                                     <p:set>
                                       <p:cBhvr>
-                                        <p:cTn id="18" dur="1" fill="hold">
+                                        <p:cTn id="30" dur="1" fill="hold">
                                           <p:stCondLst>
                                             <p:cond delay="0"/>
                                           </p:stCondLst>
                                         </p:cTn>
                                         <p:tgtEl>
-                                          <p:spTgt spid="23"/>
+                                          <p:spTgt spid="28"/>
                                         </p:tgtEl>
                                         <p:attrNameLst>
                                           <p:attrName>style.visibility</p:attrName>
@@ -5246,160 +6200,7 @@
                                 </p:cTn>
                               </p:par>
                               <p:par>
-                                <p:cTn id="19" presetID="1" presetClass="entr" presetSubtype="0" fill="hold" grpId="0" nodeType="withEffect">
-                                  <p:stCondLst>
-                                    <p:cond delay="0"/>
-                                  </p:stCondLst>
-                                  <p:childTnLst>
-                                    <p:set>
-                                      <p:cBhvr>
-                                        <p:cTn id="20" dur="1" fill="hold">
-                                          <p:stCondLst>
-                                            <p:cond delay="0"/>
-                                          </p:stCondLst>
-                                        </p:cTn>
-                                        <p:tgtEl>
-                                          <p:spTgt spid="26"/>
-                                        </p:tgtEl>
-                                        <p:attrNameLst>
-                                          <p:attrName>style.visibility</p:attrName>
-                                        </p:attrNameLst>
-                                      </p:cBhvr>
-                                      <p:to>
-                                        <p:strVal val="visible"/>
-                                      </p:to>
-                                    </p:set>
-                                  </p:childTnLst>
-                                </p:cTn>
-                              </p:par>
-                            </p:childTnLst>
-                          </p:cTn>
-                        </p:par>
-                      </p:childTnLst>
-                    </p:cTn>
-                  </p:par>
-                  <p:par>
-                    <p:cTn id="21" fill="hold">
-                      <p:stCondLst>
-                        <p:cond delay="indefinite"/>
-                      </p:stCondLst>
-                      <p:childTnLst>
-                        <p:par>
-                          <p:cTn id="22" fill="hold">
-                            <p:stCondLst>
-                              <p:cond delay="0"/>
-                            </p:stCondLst>
-                            <p:childTnLst>
-                              <p:par>
-                                <p:cTn id="23" presetID="1" presetClass="entr" presetSubtype="0" fill="hold" nodeType="clickEffect">
-                                  <p:stCondLst>
-                                    <p:cond delay="0"/>
-                                  </p:stCondLst>
-                                  <p:childTnLst>
-                                    <p:set>
-                                      <p:cBhvr>
-                                        <p:cTn id="24" dur="1" fill="hold">
-                                          <p:stCondLst>
-                                            <p:cond delay="0"/>
-                                          </p:stCondLst>
-                                        </p:cTn>
-                                        <p:tgtEl>
-                                          <p:spTgt spid="44"/>
-                                        </p:tgtEl>
-                                        <p:attrNameLst>
-                                          <p:attrName>style.visibility</p:attrName>
-                                        </p:attrNameLst>
-                                      </p:cBhvr>
-                                      <p:to>
-                                        <p:strVal val="visible"/>
-                                      </p:to>
-                                    </p:set>
-                                  </p:childTnLst>
-                                </p:cTn>
-                              </p:par>
-                              <p:par>
-                                <p:cTn id="25" presetID="1" presetClass="entr" presetSubtype="0" fill="hold" nodeType="withEffect">
-                                  <p:stCondLst>
-                                    <p:cond delay="0"/>
-                                  </p:stCondLst>
-                                  <p:childTnLst>
-                                    <p:set>
-                                      <p:cBhvr>
-                                        <p:cTn id="26" dur="1" fill="hold">
-                                          <p:stCondLst>
-                                            <p:cond delay="0"/>
-                                          </p:stCondLst>
-                                        </p:cTn>
-                                        <p:tgtEl>
-                                          <p:spTgt spid="45"/>
-                                        </p:tgtEl>
-                                        <p:attrNameLst>
-                                          <p:attrName>style.visibility</p:attrName>
-                                        </p:attrNameLst>
-                                      </p:cBhvr>
-                                      <p:to>
-                                        <p:strVal val="visible"/>
-                                      </p:to>
-                                    </p:set>
-                                  </p:childTnLst>
-                                </p:cTn>
-                              </p:par>
-                              <p:par>
-                                <p:cTn id="27" presetID="1" presetClass="entr" presetSubtype="0" fill="hold" nodeType="withEffect">
-                                  <p:stCondLst>
-                                    <p:cond delay="0"/>
-                                  </p:stCondLst>
-                                  <p:childTnLst>
-                                    <p:set>
-                                      <p:cBhvr>
-                                        <p:cTn id="28" dur="1" fill="hold">
-                                          <p:stCondLst>
-                                            <p:cond delay="0"/>
-                                          </p:stCondLst>
-                                        </p:cTn>
-                                        <p:tgtEl>
-                                          <p:spTgt spid="46"/>
-                                        </p:tgtEl>
-                                        <p:attrNameLst>
-                                          <p:attrName>style.visibility</p:attrName>
-                                        </p:attrNameLst>
-                                      </p:cBhvr>
-                                      <p:to>
-                                        <p:strVal val="visible"/>
-                                      </p:to>
-                                    </p:set>
-                                  </p:childTnLst>
-                                </p:cTn>
-                              </p:par>
-                              <p:par>
-                                <p:cTn id="29" presetID="1" presetClass="entr" presetSubtype="0" fill="hold" grpId="0" nodeType="withEffect">
-                                  <p:stCondLst>
-                                    <p:cond delay="0"/>
-                                  </p:stCondLst>
-                                  <p:childTnLst>
-                                    <p:set>
-                                      <p:cBhvr>
-                                        <p:cTn id="30" dur="1" fill="hold">
-                                          <p:stCondLst>
-                                            <p:cond delay="0"/>
-                                          </p:stCondLst>
-                                        </p:cTn>
-                                        <p:tgtEl>
-                                          <p:spTgt spid="47"/>
-                                        </p:tgtEl>
-                                        <p:attrNameLst>
-                                          <p:attrName>style.visibility</p:attrName>
-                                        </p:attrNameLst>
-                                      </p:cBhvr>
-                                      <p:to>
-                                        <p:strVal val="visible"/>
-                                      </p:to>
-                                    </p:set>
-                                  </p:childTnLst>
-                                </p:cTn>
-                              </p:par>
-                              <p:par>
-                                <p:cTn id="31" presetID="1" presetClass="entr" presetSubtype="0" fill="hold" grpId="0" nodeType="withEffect">
+                                <p:cTn id="31" presetID="1" presetClass="entr" presetSubtype="0" fill="hold" nodeType="withEffect">
                                   <p:stCondLst>
                                     <p:cond delay="0"/>
                                   </p:stCondLst>
@@ -5412,7 +6213,7 @@
                                           </p:stCondLst>
                                         </p:cTn>
                                         <p:tgtEl>
-                                          <p:spTgt spid="48"/>
+                                          <p:spTgt spid="21"/>
                                         </p:tgtEl>
                                         <p:attrNameLst>
                                           <p:attrName>style.visibility</p:attrName>
@@ -5439,7 +6240,7 @@
                                           </p:stCondLst>
                                         </p:cTn>
                                         <p:tgtEl>
-                                          <p:spTgt spid="49"/>
+                                          <p:spTgt spid="25"/>
                                         </p:tgtEl>
                                         <p:attrNameLst>
                                           <p:attrName>style.visibility</p:attrName>
@@ -5453,7 +6254,7 @@
                                 </p:cTn>
                               </p:par>
                               <p:par>
-                                <p:cTn id="35" presetID="1" presetClass="entr" presetSubtype="0" fill="hold" nodeType="withEffect">
+                                <p:cTn id="35" presetID="1" presetClass="entr" presetSubtype="0" fill="hold" grpId="0" nodeType="withEffect">
                                   <p:stCondLst>
                                     <p:cond delay="0"/>
                                   </p:stCondLst>
@@ -5466,7 +6267,547 @@
                                           </p:stCondLst>
                                         </p:cTn>
                                         <p:tgtEl>
-                                          <p:spTgt spid="41"/>
+                                          <p:spTgt spid="2"/>
+                                        </p:tgtEl>
+                                        <p:attrNameLst>
+                                          <p:attrName>style.visibility</p:attrName>
+                                        </p:attrNameLst>
+                                      </p:cBhvr>
+                                      <p:to>
+                                        <p:strVal val="visible"/>
+                                      </p:to>
+                                    </p:set>
+                                  </p:childTnLst>
+                                </p:cTn>
+                              </p:par>
+                              <p:par>
+                                <p:cTn id="37" presetID="1" presetClass="entr" presetSubtype="0" fill="hold" grpId="0" nodeType="withEffect">
+                                  <p:stCondLst>
+                                    <p:cond delay="0"/>
+                                  </p:stCondLst>
+                                  <p:childTnLst>
+                                    <p:set>
+                                      <p:cBhvr>
+                                        <p:cTn id="38" dur="1" fill="hold">
+                                          <p:stCondLst>
+                                            <p:cond delay="0"/>
+                                          </p:stCondLst>
+                                        </p:cTn>
+                                        <p:tgtEl>
+                                          <p:spTgt spid="30"/>
+                                        </p:tgtEl>
+                                        <p:attrNameLst>
+                                          <p:attrName>style.visibility</p:attrName>
+                                        </p:attrNameLst>
+                                      </p:cBhvr>
+                                      <p:to>
+                                        <p:strVal val="visible"/>
+                                      </p:to>
+                                    </p:set>
+                                  </p:childTnLst>
+                                </p:cTn>
+                              </p:par>
+                            </p:childTnLst>
+                          </p:cTn>
+                        </p:par>
+                      </p:childTnLst>
+                    </p:cTn>
+                  </p:par>
+                  <p:par>
+                    <p:cTn id="39" fill="hold">
+                      <p:stCondLst>
+                        <p:cond delay="indefinite"/>
+                      </p:stCondLst>
+                      <p:childTnLst>
+                        <p:par>
+                          <p:cTn id="40" fill="hold">
+                            <p:stCondLst>
+                              <p:cond delay="0"/>
+                            </p:stCondLst>
+                            <p:childTnLst>
+                              <p:par>
+                                <p:cTn id="41" presetID="1" presetClass="entr" presetSubtype="0" fill="hold" grpId="0" nodeType="clickEffect">
+                                  <p:stCondLst>
+                                    <p:cond delay="0"/>
+                                  </p:stCondLst>
+                                  <p:childTnLst>
+                                    <p:set>
+                                      <p:cBhvr>
+                                        <p:cTn id="42" dur="1" fill="hold">
+                                          <p:stCondLst>
+                                            <p:cond delay="0"/>
+                                          </p:stCondLst>
+                                        </p:cTn>
+                                        <p:tgtEl>
+                                          <p:spTgt spid="37"/>
+                                        </p:tgtEl>
+                                        <p:attrNameLst>
+                                          <p:attrName>style.visibility</p:attrName>
+                                        </p:attrNameLst>
+                                      </p:cBhvr>
+                                      <p:to>
+                                        <p:strVal val="visible"/>
+                                      </p:to>
+                                    </p:set>
+                                  </p:childTnLst>
+                                </p:cTn>
+                              </p:par>
+                              <p:par>
+                                <p:cTn id="43" presetID="1" presetClass="entr" presetSubtype="0" fill="hold" grpId="0" nodeType="withEffect">
+                                  <p:stCondLst>
+                                    <p:cond delay="0"/>
+                                  </p:stCondLst>
+                                  <p:childTnLst>
+                                    <p:set>
+                                      <p:cBhvr>
+                                        <p:cTn id="44" dur="1" fill="hold">
+                                          <p:stCondLst>
+                                            <p:cond delay="0"/>
+                                          </p:stCondLst>
+                                        </p:cTn>
+                                        <p:tgtEl>
+                                          <p:spTgt spid="51"/>
+                                        </p:tgtEl>
+                                        <p:attrNameLst>
+                                          <p:attrName>style.visibility</p:attrName>
+                                        </p:attrNameLst>
+                                      </p:cBhvr>
+                                      <p:to>
+                                        <p:strVal val="visible"/>
+                                      </p:to>
+                                    </p:set>
+                                  </p:childTnLst>
+                                </p:cTn>
+                              </p:par>
+                              <p:par>
+                                <p:cTn id="45" presetID="1" presetClass="entr" presetSubtype="0" fill="hold" grpId="0" nodeType="withEffect">
+                                  <p:stCondLst>
+                                    <p:cond delay="0"/>
+                                  </p:stCondLst>
+                                  <p:childTnLst>
+                                    <p:set>
+                                      <p:cBhvr>
+                                        <p:cTn id="46" dur="1" fill="hold">
+                                          <p:stCondLst>
+                                            <p:cond delay="0"/>
+                                          </p:stCondLst>
+                                        </p:cTn>
+                                        <p:tgtEl>
+                                          <p:spTgt spid="43"/>
+                                        </p:tgtEl>
+                                        <p:attrNameLst>
+                                          <p:attrName>style.visibility</p:attrName>
+                                        </p:attrNameLst>
+                                      </p:cBhvr>
+                                      <p:to>
+                                        <p:strVal val="visible"/>
+                                      </p:to>
+                                    </p:set>
+                                  </p:childTnLst>
+                                </p:cTn>
+                              </p:par>
+                            </p:childTnLst>
+                          </p:cTn>
+                        </p:par>
+                      </p:childTnLst>
+                    </p:cTn>
+                  </p:par>
+                  <p:par>
+                    <p:cTn id="47" fill="hold">
+                      <p:stCondLst>
+                        <p:cond delay="indefinite"/>
+                      </p:stCondLst>
+                      <p:childTnLst>
+                        <p:par>
+                          <p:cTn id="48" fill="hold">
+                            <p:stCondLst>
+                              <p:cond delay="0"/>
+                            </p:stCondLst>
+                            <p:childTnLst>
+                              <p:par>
+                                <p:cTn id="49" presetID="1" presetClass="entr" presetSubtype="0" fill="hold" nodeType="clickEffect">
+                                  <p:stCondLst>
+                                    <p:cond delay="0"/>
+                                  </p:stCondLst>
+                                  <p:childTnLst>
+                                    <p:set>
+                                      <p:cBhvr>
+                                        <p:cTn id="50" dur="1" fill="hold">
+                                          <p:stCondLst>
+                                            <p:cond delay="0"/>
+                                          </p:stCondLst>
+                                        </p:cTn>
+                                        <p:tgtEl>
+                                          <p:spTgt spid="8"/>
+                                        </p:tgtEl>
+                                        <p:attrNameLst>
+                                          <p:attrName>style.visibility</p:attrName>
+                                        </p:attrNameLst>
+                                      </p:cBhvr>
+                                      <p:to>
+                                        <p:strVal val="visible"/>
+                                      </p:to>
+                                    </p:set>
+                                  </p:childTnLst>
+                                </p:cTn>
+                              </p:par>
+                              <p:par>
+                                <p:cTn id="51" presetID="1" presetClass="entr" presetSubtype="0" fill="hold" grpId="0" nodeType="withEffect">
+                                  <p:stCondLst>
+                                    <p:cond delay="0"/>
+                                  </p:stCondLst>
+                                  <p:childTnLst>
+                                    <p:set>
+                                      <p:cBhvr>
+                                        <p:cTn id="52" dur="1" fill="hold">
+                                          <p:stCondLst>
+                                            <p:cond delay="0"/>
+                                          </p:stCondLst>
+                                        </p:cTn>
+                                        <p:tgtEl>
+                                          <p:spTgt spid="52"/>
+                                        </p:tgtEl>
+                                        <p:attrNameLst>
+                                          <p:attrName>style.visibility</p:attrName>
+                                        </p:attrNameLst>
+                                      </p:cBhvr>
+                                      <p:to>
+                                        <p:strVal val="visible"/>
+                                      </p:to>
+                                    </p:set>
+                                  </p:childTnLst>
+                                </p:cTn>
+                              </p:par>
+                              <p:par>
+                                <p:cTn id="53" presetID="1" presetClass="entr" presetSubtype="0" fill="hold" nodeType="withEffect">
+                                  <p:stCondLst>
+                                    <p:cond delay="0"/>
+                                  </p:stCondLst>
+                                  <p:childTnLst>
+                                    <p:set>
+                                      <p:cBhvr>
+                                        <p:cTn id="54" dur="1" fill="hold">
+                                          <p:stCondLst>
+                                            <p:cond delay="0"/>
+                                          </p:stCondLst>
+                                        </p:cTn>
+                                        <p:tgtEl>
+                                          <p:spTgt spid="6"/>
+                                        </p:tgtEl>
+                                        <p:attrNameLst>
+                                          <p:attrName>style.visibility</p:attrName>
+                                        </p:attrNameLst>
+                                      </p:cBhvr>
+                                      <p:to>
+                                        <p:strVal val="visible"/>
+                                      </p:to>
+                                    </p:set>
+                                  </p:childTnLst>
+                                </p:cTn>
+                              </p:par>
+                              <p:par>
+                                <p:cTn id="55" presetID="1" presetClass="entr" presetSubtype="0" fill="hold" nodeType="withEffect">
+                                  <p:stCondLst>
+                                    <p:cond delay="0"/>
+                                  </p:stCondLst>
+                                  <p:childTnLst>
+                                    <p:set>
+                                      <p:cBhvr>
+                                        <p:cTn id="56" dur="1" fill="hold">
+                                          <p:stCondLst>
+                                            <p:cond delay="0"/>
+                                          </p:stCondLst>
+                                        </p:cTn>
+                                        <p:tgtEl>
+                                          <p:spTgt spid="36"/>
+                                        </p:tgtEl>
+                                        <p:attrNameLst>
+                                          <p:attrName>style.visibility</p:attrName>
+                                        </p:attrNameLst>
+                                      </p:cBhvr>
+                                      <p:to>
+                                        <p:strVal val="visible"/>
+                                      </p:to>
+                                    </p:set>
+                                  </p:childTnLst>
+                                </p:cTn>
+                              </p:par>
+                              <p:par>
+                                <p:cTn id="57" presetID="1" presetClass="entr" presetSubtype="0" fill="hold" nodeType="withEffect">
+                                  <p:stCondLst>
+                                    <p:cond delay="0"/>
+                                  </p:stCondLst>
+                                  <p:childTnLst>
+                                    <p:set>
+                                      <p:cBhvr>
+                                        <p:cTn id="58" dur="1" fill="hold">
+                                          <p:stCondLst>
+                                            <p:cond delay="0"/>
+                                          </p:stCondLst>
+                                        </p:cTn>
+                                        <p:tgtEl>
+                                          <p:spTgt spid="29"/>
+                                        </p:tgtEl>
+                                        <p:attrNameLst>
+                                          <p:attrName>style.visibility</p:attrName>
+                                        </p:attrNameLst>
+                                      </p:cBhvr>
+                                      <p:to>
+                                        <p:strVal val="visible"/>
+                                      </p:to>
+                                    </p:set>
+                                  </p:childTnLst>
+                                </p:cTn>
+                              </p:par>
+                            </p:childTnLst>
+                          </p:cTn>
+                        </p:par>
+                      </p:childTnLst>
+                    </p:cTn>
+                  </p:par>
+                  <p:par>
+                    <p:cTn id="59" fill="hold">
+                      <p:stCondLst>
+                        <p:cond delay="indefinite"/>
+                      </p:stCondLst>
+                      <p:childTnLst>
+                        <p:par>
+                          <p:cTn id="60" fill="hold">
+                            <p:stCondLst>
+                              <p:cond delay="0"/>
+                            </p:stCondLst>
+                            <p:childTnLst>
+                              <p:par>
+                                <p:cTn id="61" presetID="1" presetClass="entr" presetSubtype="0" fill="hold" nodeType="clickEffect">
+                                  <p:stCondLst>
+                                    <p:cond delay="0"/>
+                                  </p:stCondLst>
+                                  <p:childTnLst>
+                                    <p:set>
+                                      <p:cBhvr>
+                                        <p:cTn id="62" dur="1" fill="hold">
+                                          <p:stCondLst>
+                                            <p:cond delay="0"/>
+                                          </p:stCondLst>
+                                        </p:cTn>
+                                        <p:tgtEl>
+                                          <p:spTgt spid="38"/>
+                                        </p:tgtEl>
+                                        <p:attrNameLst>
+                                          <p:attrName>style.visibility</p:attrName>
+                                        </p:attrNameLst>
+                                      </p:cBhvr>
+                                      <p:to>
+                                        <p:strVal val="visible"/>
+                                      </p:to>
+                                    </p:set>
+                                  </p:childTnLst>
+                                </p:cTn>
+                              </p:par>
+                              <p:par>
+                                <p:cTn id="63" presetID="1" presetClass="entr" presetSubtype="0" fill="hold" grpId="0" nodeType="withEffect">
+                                  <p:stCondLst>
+                                    <p:cond delay="0"/>
+                                  </p:stCondLst>
+                                  <p:childTnLst>
+                                    <p:set>
+                                      <p:cBhvr>
+                                        <p:cTn id="64" dur="1" fill="hold">
+                                          <p:stCondLst>
+                                            <p:cond delay="0"/>
+                                          </p:stCondLst>
+                                        </p:cTn>
+                                        <p:tgtEl>
+                                          <p:spTgt spid="26"/>
+                                        </p:tgtEl>
+                                        <p:attrNameLst>
+                                          <p:attrName>style.visibility</p:attrName>
+                                        </p:attrNameLst>
+                                      </p:cBhvr>
+                                      <p:to>
+                                        <p:strVal val="visible"/>
+                                      </p:to>
+                                    </p:set>
+                                  </p:childTnLst>
+                                </p:cTn>
+                              </p:par>
+                              <p:par>
+                                <p:cTn id="65" presetID="1" presetClass="entr" presetSubtype="0" fill="hold" nodeType="withEffect">
+                                  <p:stCondLst>
+                                    <p:cond delay="0"/>
+                                  </p:stCondLst>
+                                  <p:childTnLst>
+                                    <p:set>
+                                      <p:cBhvr>
+                                        <p:cTn id="66" dur="1" fill="hold">
+                                          <p:stCondLst>
+                                            <p:cond delay="0"/>
+                                          </p:stCondLst>
+                                        </p:cTn>
+                                        <p:tgtEl>
+                                          <p:spTgt spid="23"/>
+                                        </p:tgtEl>
+                                        <p:attrNameLst>
+                                          <p:attrName>style.visibility</p:attrName>
+                                        </p:attrNameLst>
+                                      </p:cBhvr>
+                                      <p:to>
+                                        <p:strVal val="visible"/>
+                                      </p:to>
+                                    </p:set>
+                                  </p:childTnLst>
+                                </p:cTn>
+                              </p:par>
+                              <p:par>
+                                <p:cTn id="67" presetID="1" presetClass="entr" presetSubtype="0" fill="hold" nodeType="withEffect">
+                                  <p:stCondLst>
+                                    <p:cond delay="0"/>
+                                  </p:stCondLst>
+                                  <p:childTnLst>
+                                    <p:set>
+                                      <p:cBhvr>
+                                        <p:cTn id="68" dur="1" fill="hold">
+                                          <p:stCondLst>
+                                            <p:cond delay="0"/>
+                                          </p:stCondLst>
+                                        </p:cTn>
+                                        <p:tgtEl>
+                                          <p:spTgt spid="20"/>
+                                        </p:tgtEl>
+                                        <p:attrNameLst>
+                                          <p:attrName>style.visibility</p:attrName>
+                                        </p:attrNameLst>
+                                      </p:cBhvr>
+                                      <p:to>
+                                        <p:strVal val="visible"/>
+                                      </p:to>
+                                    </p:set>
+                                  </p:childTnLst>
+                                </p:cTn>
+                              </p:par>
+                            </p:childTnLst>
+                          </p:cTn>
+                        </p:par>
+                      </p:childTnLst>
+                    </p:cTn>
+                  </p:par>
+                  <p:par>
+                    <p:cTn id="69" fill="hold">
+                      <p:stCondLst>
+                        <p:cond delay="indefinite"/>
+                      </p:stCondLst>
+                      <p:childTnLst>
+                        <p:par>
+                          <p:cTn id="70" fill="hold">
+                            <p:stCondLst>
+                              <p:cond delay="0"/>
+                            </p:stCondLst>
+                            <p:childTnLst>
+                              <p:par>
+                                <p:cTn id="71" presetID="1" presetClass="entr" presetSubtype="0" fill="hold" nodeType="clickEffect">
+                                  <p:stCondLst>
+                                    <p:cond delay="0"/>
+                                  </p:stCondLst>
+                                  <p:childTnLst>
+                                    <p:set>
+                                      <p:cBhvr>
+                                        <p:cTn id="72" dur="1" fill="hold">
+                                          <p:stCondLst>
+                                            <p:cond delay="0"/>
+                                          </p:stCondLst>
+                                        </p:cTn>
+                                        <p:tgtEl>
+                                          <p:spTgt spid="31"/>
+                                        </p:tgtEl>
+                                        <p:attrNameLst>
+                                          <p:attrName>style.visibility</p:attrName>
+                                        </p:attrNameLst>
+                                      </p:cBhvr>
+                                      <p:to>
+                                        <p:strVal val="visible"/>
+                                      </p:to>
+                                    </p:set>
+                                  </p:childTnLst>
+                                </p:cTn>
+                              </p:par>
+                            </p:childTnLst>
+                          </p:cTn>
+                        </p:par>
+                      </p:childTnLst>
+                    </p:cTn>
+                  </p:par>
+                  <p:par>
+                    <p:cTn id="73" fill="hold">
+                      <p:stCondLst>
+                        <p:cond delay="indefinite"/>
+                      </p:stCondLst>
+                      <p:childTnLst>
+                        <p:par>
+                          <p:cTn id="74" fill="hold">
+                            <p:stCondLst>
+                              <p:cond delay="0"/>
+                            </p:stCondLst>
+                            <p:childTnLst>
+                              <p:par>
+                                <p:cTn id="75" presetID="1" presetClass="entr" presetSubtype="0" fill="hold" nodeType="clickEffect">
+                                  <p:stCondLst>
+                                    <p:cond delay="0"/>
+                                  </p:stCondLst>
+                                  <p:childTnLst>
+                                    <p:set>
+                                      <p:cBhvr>
+                                        <p:cTn id="76" dur="1" fill="hold">
+                                          <p:stCondLst>
+                                            <p:cond delay="0"/>
+                                          </p:stCondLst>
+                                        </p:cTn>
+                                        <p:tgtEl>
+                                          <p:spTgt spid="35"/>
+                                        </p:tgtEl>
+                                        <p:attrNameLst>
+                                          <p:attrName>style.visibility</p:attrName>
+                                        </p:attrNameLst>
+                                      </p:cBhvr>
+                                      <p:to>
+                                        <p:strVal val="visible"/>
+                                      </p:to>
+                                    </p:set>
+                                  </p:childTnLst>
+                                </p:cTn>
+                              </p:par>
+                            </p:childTnLst>
+                          </p:cTn>
+                        </p:par>
+                      </p:childTnLst>
+                    </p:cTn>
+                  </p:par>
+                  <p:par>
+                    <p:cTn id="77" fill="hold">
+                      <p:stCondLst>
+                        <p:cond delay="indefinite"/>
+                      </p:stCondLst>
+                      <p:childTnLst>
+                        <p:par>
+                          <p:cTn id="78" fill="hold">
+                            <p:stCondLst>
+                              <p:cond delay="0"/>
+                            </p:stCondLst>
+                            <p:childTnLst>
+                              <p:par>
+                                <p:cTn id="79" presetID="1" presetClass="entr" presetSubtype="0" fill="hold" nodeType="clickEffect">
+                                  <p:stCondLst>
+                                    <p:cond delay="0"/>
+                                  </p:stCondLst>
+                                  <p:childTnLst>
+                                    <p:set>
+                                      <p:cBhvr>
+                                        <p:cTn id="80" dur="1" fill="hold">
+                                          <p:stCondLst>
+                                            <p:cond delay="0"/>
+                                          </p:stCondLst>
+                                        </p:cTn>
+                                        <p:tgtEl>
+                                          <p:spTgt spid="33"/>
                                         </p:tgtEl>
                                         <p:attrNameLst>
                                           <p:attrName>style.visibility</p:attrName>
@@ -5513,8 +6854,1252 @@
       <p:bldP spid="47" grpId="0"/>
       <p:bldP spid="48" grpId="0"/>
       <p:bldP spid="49" grpId="0"/>
+      <p:bldP spid="2" grpId="0"/>
+      <p:bldP spid="30" grpId="0"/>
+      <p:bldP spid="37" grpId="0" animBg="1"/>
+      <p:bldP spid="51" grpId="0" animBg="1"/>
+      <p:bldP spid="43" grpId="0"/>
+      <p:bldP spid="52" grpId="0"/>
     </p:bldLst>
   </p:timing>
+</p:sld>
+</file>
+
+<file path=ppt/slides/slide5.xml><?xml version="1.0" encoding="utf-8"?>
+<p:sld xmlns:a="http://schemas.openxmlformats.org/drawingml/2006/main" xmlns:r="http://schemas.openxmlformats.org/officeDocument/2006/relationships" xmlns:p="http://schemas.openxmlformats.org/presentationml/2006/main">
+  <p:cSld>
+    <p:bg>
+      <p:bgPr>
+        <a:solidFill>
+          <a:srgbClr val="081A42"/>
+        </a:solidFill>
+        <a:effectLst/>
+      </p:bgPr>
+    </p:bg>
+    <p:spTree>
+      <p:nvGrpSpPr>
+        <p:cNvPr id="1" name=""/>
+        <p:cNvGrpSpPr/>
+        <p:nvPr/>
+      </p:nvGrpSpPr>
+      <p:grpSpPr>
+        <a:xfrm>
+          <a:off x="0" y="0"/>
+          <a:ext cx="0" cy="0"/>
+          <a:chOff x="0" y="0"/>
+          <a:chExt cx="0" cy="0"/>
+        </a:xfrm>
+      </p:grpSpPr>
+      <p:pic>
+        <p:nvPicPr>
+          <p:cNvPr id="4" name="Picture 3">
+            <a:extLst>
+              <a:ext uri="{FF2B5EF4-FFF2-40B4-BE49-F238E27FC236}">
+                <a16:creationId xmlns:a16="http://schemas.microsoft.com/office/drawing/2014/main" id="{8CF0831F-7A39-4544-A960-3F7D36F3C1AE}"/>
+              </a:ext>
+            </a:extLst>
+          </p:cNvPr>
+          <p:cNvPicPr>
+            <a:picLocks noChangeAspect="1"/>
+          </p:cNvPicPr>
+          <p:nvPr/>
+        </p:nvPicPr>
+        <p:blipFill>
+          <a:blip r:embed="rId2">
+            <a:extLst>
+              <a:ext uri="{28A0092B-C50C-407E-A947-70E740481C1C}">
+                <a14:useLocalDpi xmlns:a14="http://schemas.microsoft.com/office/drawing/2010/main" val="0"/>
+              </a:ext>
+            </a:extLst>
+          </a:blip>
+          <a:stretch>
+            <a:fillRect/>
+          </a:stretch>
+        </p:blipFill>
+        <p:spPr>
+          <a:xfrm>
+            <a:off x="4029834" y="0"/>
+            <a:ext cx="8162166" cy="923544"/>
+          </a:xfrm>
+          <a:prstGeom prst="rect">
+            <a:avLst/>
+          </a:prstGeom>
+        </p:spPr>
+      </p:pic>
+      <p:sp>
+        <p:nvSpPr>
+          <p:cNvPr id="5" name="Rectangle 4">
+            <a:extLst>
+              <a:ext uri="{FF2B5EF4-FFF2-40B4-BE49-F238E27FC236}">
+                <a16:creationId xmlns:a16="http://schemas.microsoft.com/office/drawing/2014/main" id="{AA09BD0F-33C6-4D42-913F-164BE5F50E76}"/>
+              </a:ext>
+            </a:extLst>
+          </p:cNvPr>
+          <p:cNvSpPr/>
+          <p:nvPr/>
+        </p:nvSpPr>
+        <p:spPr>
+          <a:xfrm>
+            <a:off x="0" y="0"/>
+            <a:ext cx="4029834" cy="923544"/>
+          </a:xfrm>
+          <a:prstGeom prst="rect">
+            <a:avLst/>
+          </a:prstGeom>
+          <a:solidFill>
+            <a:srgbClr val="081A42"/>
+          </a:solidFill>
+          <a:ln>
+            <a:noFill/>
+          </a:ln>
+        </p:spPr>
+        <p:style>
+          <a:lnRef idx="2">
+            <a:schemeClr val="accent1">
+              <a:shade val="50000"/>
+            </a:schemeClr>
+          </a:lnRef>
+          <a:fillRef idx="1">
+            <a:schemeClr val="accent1"/>
+          </a:fillRef>
+          <a:effectRef idx="0">
+            <a:schemeClr val="accent1"/>
+          </a:effectRef>
+          <a:fontRef idx="minor">
+            <a:schemeClr val="lt1"/>
+          </a:fontRef>
+        </p:style>
+        <p:txBody>
+          <a:bodyPr rtlCol="0" anchor="ctr"/>
+          <a:lstStyle/>
+          <a:p>
+            <a:pPr algn="ctr"/>
+            <a:endParaRPr lang="en-US"/>
+          </a:p>
+        </p:txBody>
+      </p:sp>
+      <p:cxnSp>
+        <p:nvCxnSpPr>
+          <p:cNvPr id="7" name="Straight Connector 6">
+            <a:extLst>
+              <a:ext uri="{FF2B5EF4-FFF2-40B4-BE49-F238E27FC236}">
+                <a16:creationId xmlns:a16="http://schemas.microsoft.com/office/drawing/2014/main" id="{0F86F184-5DBA-4718-951F-90BCB4C0F4C9}"/>
+              </a:ext>
+            </a:extLst>
+          </p:cNvPr>
+          <p:cNvCxnSpPr/>
+          <p:nvPr/>
+        </p:nvCxnSpPr>
+        <p:spPr>
+          <a:xfrm>
+            <a:off x="6508115" y="1286510"/>
+            <a:ext cx="0" cy="4972050"/>
+          </a:xfrm>
+          <a:prstGeom prst="line">
+            <a:avLst/>
+          </a:prstGeom>
+          <a:ln w="57150">
+            <a:solidFill>
+              <a:schemeClr val="bg1"/>
+            </a:solidFill>
+          </a:ln>
+          <a:effectLst>
+            <a:outerShdw blurRad="50800" dist="38100" dir="5400000" algn="t" rotWithShape="0">
+              <a:prstClr val="black">
+                <a:alpha val="40000"/>
+              </a:prstClr>
+            </a:outerShdw>
+          </a:effectLst>
+        </p:spPr>
+        <p:style>
+          <a:lnRef idx="1">
+            <a:schemeClr val="accent1"/>
+          </a:lnRef>
+          <a:fillRef idx="0">
+            <a:schemeClr val="accent1"/>
+          </a:fillRef>
+          <a:effectRef idx="0">
+            <a:schemeClr val="accent1"/>
+          </a:effectRef>
+          <a:fontRef idx="minor">
+            <a:schemeClr val="tx1"/>
+          </a:fontRef>
+        </p:style>
+      </p:cxnSp>
+      <p:cxnSp>
+        <p:nvCxnSpPr>
+          <p:cNvPr id="9" name="Straight Connector 8">
+            <a:extLst>
+              <a:ext uri="{FF2B5EF4-FFF2-40B4-BE49-F238E27FC236}">
+                <a16:creationId xmlns:a16="http://schemas.microsoft.com/office/drawing/2014/main" id="{6292A50B-D489-4DC7-A37D-A60FA2810824}"/>
+              </a:ext>
+            </a:extLst>
+          </p:cNvPr>
+          <p:cNvCxnSpPr/>
+          <p:nvPr/>
+        </p:nvCxnSpPr>
+        <p:spPr>
+          <a:xfrm flipV="1">
+            <a:off x="6508115" y="2777172"/>
+            <a:ext cx="876300" cy="714375"/>
+          </a:xfrm>
+          <a:prstGeom prst="line">
+            <a:avLst/>
+          </a:prstGeom>
+          <a:ln w="57150">
+            <a:solidFill>
+              <a:schemeClr val="bg1"/>
+            </a:solidFill>
+          </a:ln>
+          <a:effectLst>
+            <a:outerShdw blurRad="50800" dist="38100" dir="5400000" algn="t" rotWithShape="0">
+              <a:prstClr val="black">
+                <a:alpha val="40000"/>
+              </a:prstClr>
+            </a:outerShdw>
+          </a:effectLst>
+        </p:spPr>
+        <p:style>
+          <a:lnRef idx="1">
+            <a:schemeClr val="accent1"/>
+          </a:lnRef>
+          <a:fillRef idx="0">
+            <a:schemeClr val="accent1"/>
+          </a:fillRef>
+          <a:effectRef idx="0">
+            <a:schemeClr val="accent1"/>
+          </a:effectRef>
+          <a:fontRef idx="minor">
+            <a:schemeClr val="tx1"/>
+          </a:fontRef>
+        </p:style>
+      </p:cxnSp>
+      <p:cxnSp>
+        <p:nvCxnSpPr>
+          <p:cNvPr id="11" name="Straight Connector 10">
+            <a:extLst>
+              <a:ext uri="{FF2B5EF4-FFF2-40B4-BE49-F238E27FC236}">
+                <a16:creationId xmlns:a16="http://schemas.microsoft.com/office/drawing/2014/main" id="{00AA293C-7A03-44B9-ADE5-C9DA7C239D71}"/>
+              </a:ext>
+            </a:extLst>
+          </p:cNvPr>
+          <p:cNvCxnSpPr/>
+          <p:nvPr/>
+        </p:nvCxnSpPr>
+        <p:spPr>
+          <a:xfrm flipV="1">
+            <a:off x="7384415" y="1553210"/>
+            <a:ext cx="0" cy="1219200"/>
+          </a:xfrm>
+          <a:prstGeom prst="line">
+            <a:avLst/>
+          </a:prstGeom>
+          <a:ln w="57150">
+            <a:solidFill>
+              <a:schemeClr val="bg1"/>
+            </a:solidFill>
+          </a:ln>
+          <a:effectLst>
+            <a:outerShdw blurRad="50800" dist="38100" dir="5400000" algn="t" rotWithShape="0">
+              <a:prstClr val="black">
+                <a:alpha val="40000"/>
+              </a:prstClr>
+            </a:outerShdw>
+          </a:effectLst>
+        </p:spPr>
+        <p:style>
+          <a:lnRef idx="1">
+            <a:schemeClr val="accent1"/>
+          </a:lnRef>
+          <a:fillRef idx="0">
+            <a:schemeClr val="accent1"/>
+          </a:fillRef>
+          <a:effectRef idx="0">
+            <a:schemeClr val="accent1"/>
+          </a:effectRef>
+          <a:fontRef idx="minor">
+            <a:schemeClr val="tx1"/>
+          </a:fontRef>
+        </p:style>
+      </p:cxnSp>
+      <p:cxnSp>
+        <p:nvCxnSpPr>
+          <p:cNvPr id="13" name="Straight Connector 12">
+            <a:extLst>
+              <a:ext uri="{FF2B5EF4-FFF2-40B4-BE49-F238E27FC236}">
+                <a16:creationId xmlns:a16="http://schemas.microsoft.com/office/drawing/2014/main" id="{80FEA86A-4AFB-4D92-97DD-12893F25325F}"/>
+              </a:ext>
+            </a:extLst>
+          </p:cNvPr>
+          <p:cNvCxnSpPr/>
+          <p:nvPr/>
+        </p:nvCxnSpPr>
+        <p:spPr>
+          <a:xfrm flipH="1" flipV="1">
+            <a:off x="5317490" y="4677410"/>
+            <a:ext cx="1190625" cy="800100"/>
+          </a:xfrm>
+          <a:prstGeom prst="line">
+            <a:avLst/>
+          </a:prstGeom>
+          <a:ln w="57150">
+            <a:solidFill>
+              <a:schemeClr val="bg1"/>
+            </a:solidFill>
+          </a:ln>
+          <a:effectLst>
+            <a:outerShdw blurRad="50800" dist="38100" dir="5400000" algn="t" rotWithShape="0">
+              <a:prstClr val="black">
+                <a:alpha val="40000"/>
+              </a:prstClr>
+            </a:outerShdw>
+          </a:effectLst>
+        </p:spPr>
+        <p:style>
+          <a:lnRef idx="1">
+            <a:schemeClr val="accent1"/>
+          </a:lnRef>
+          <a:fillRef idx="0">
+            <a:schemeClr val="accent1"/>
+          </a:fillRef>
+          <a:effectRef idx="0">
+            <a:schemeClr val="accent1"/>
+          </a:effectRef>
+          <a:fontRef idx="minor">
+            <a:schemeClr val="tx1"/>
+          </a:fontRef>
+        </p:style>
+      </p:cxnSp>
+      <p:cxnSp>
+        <p:nvCxnSpPr>
+          <p:cNvPr id="15" name="Straight Connector 14">
+            <a:extLst>
+              <a:ext uri="{FF2B5EF4-FFF2-40B4-BE49-F238E27FC236}">
+                <a16:creationId xmlns:a16="http://schemas.microsoft.com/office/drawing/2014/main" id="{0DBB866B-BF9E-45D3-8662-4A8E6632D66F}"/>
+              </a:ext>
+            </a:extLst>
+          </p:cNvPr>
+          <p:cNvCxnSpPr/>
+          <p:nvPr/>
+        </p:nvCxnSpPr>
+        <p:spPr>
+          <a:xfrm flipV="1">
+            <a:off x="5327015" y="2772410"/>
+            <a:ext cx="0" cy="1895475"/>
+          </a:xfrm>
+          <a:prstGeom prst="line">
+            <a:avLst/>
+          </a:prstGeom>
+          <a:ln w="57150">
+            <a:solidFill>
+              <a:schemeClr val="bg1"/>
+            </a:solidFill>
+          </a:ln>
+          <a:effectLst>
+            <a:outerShdw blurRad="50800" dist="38100" dir="5400000" algn="t" rotWithShape="0">
+              <a:prstClr val="black">
+                <a:alpha val="40000"/>
+              </a:prstClr>
+            </a:outerShdw>
+          </a:effectLst>
+        </p:spPr>
+        <p:style>
+          <a:lnRef idx="1">
+            <a:schemeClr val="accent1"/>
+          </a:lnRef>
+          <a:fillRef idx="0">
+            <a:schemeClr val="accent1"/>
+          </a:fillRef>
+          <a:effectRef idx="0">
+            <a:schemeClr val="accent1"/>
+          </a:effectRef>
+          <a:fontRef idx="minor">
+            <a:schemeClr val="tx1"/>
+          </a:fontRef>
+        </p:style>
+      </p:cxnSp>
+      <p:sp>
+        <p:nvSpPr>
+          <p:cNvPr id="16" name="Oval 15">
+            <a:extLst>
+              <a:ext uri="{FF2B5EF4-FFF2-40B4-BE49-F238E27FC236}">
+                <a16:creationId xmlns:a16="http://schemas.microsoft.com/office/drawing/2014/main" id="{6817D567-89B4-4E32-85F7-2DD0DAF6FFC7}"/>
+              </a:ext>
+            </a:extLst>
+          </p:cNvPr>
+          <p:cNvSpPr/>
+          <p:nvPr/>
+        </p:nvSpPr>
+        <p:spPr>
+          <a:xfrm>
+            <a:off x="6408111" y="3346291"/>
+            <a:ext cx="200005" cy="200025"/>
+          </a:xfrm>
+          <a:prstGeom prst="ellipse">
+            <a:avLst/>
+          </a:prstGeom>
+          <a:solidFill>
+            <a:schemeClr val="bg1"/>
+          </a:solidFill>
+          <a:ln>
+            <a:solidFill>
+              <a:schemeClr val="bg1"/>
+            </a:solidFill>
+          </a:ln>
+        </p:spPr>
+        <p:style>
+          <a:lnRef idx="2">
+            <a:schemeClr val="accent1">
+              <a:shade val="50000"/>
+            </a:schemeClr>
+          </a:lnRef>
+          <a:fillRef idx="1">
+            <a:schemeClr val="accent1"/>
+          </a:fillRef>
+          <a:effectRef idx="0">
+            <a:schemeClr val="accent1"/>
+          </a:effectRef>
+          <a:fontRef idx="minor">
+            <a:schemeClr val="lt1"/>
+          </a:fontRef>
+        </p:style>
+        <p:txBody>
+          <a:bodyPr rtlCol="0" anchor="ctr"/>
+          <a:lstStyle/>
+          <a:p>
+            <a:pPr algn="ctr"/>
+            <a:endParaRPr lang="en-IN"/>
+          </a:p>
+        </p:txBody>
+      </p:sp>
+      <p:sp>
+        <p:nvSpPr>
+          <p:cNvPr id="17" name="Oval 16">
+            <a:extLst>
+              <a:ext uri="{FF2B5EF4-FFF2-40B4-BE49-F238E27FC236}">
+                <a16:creationId xmlns:a16="http://schemas.microsoft.com/office/drawing/2014/main" id="{46170590-75DB-4474-9891-66BC90A20A8D}"/>
+              </a:ext>
+            </a:extLst>
+          </p:cNvPr>
+          <p:cNvSpPr/>
+          <p:nvPr/>
+        </p:nvSpPr>
+        <p:spPr>
+          <a:xfrm>
+            <a:off x="6408111" y="5354874"/>
+            <a:ext cx="200005" cy="200025"/>
+          </a:xfrm>
+          <a:prstGeom prst="ellipse">
+            <a:avLst/>
+          </a:prstGeom>
+          <a:solidFill>
+            <a:schemeClr val="bg1"/>
+          </a:solidFill>
+          <a:ln>
+            <a:solidFill>
+              <a:schemeClr val="bg1"/>
+            </a:solidFill>
+          </a:ln>
+        </p:spPr>
+        <p:style>
+          <a:lnRef idx="2">
+            <a:schemeClr val="accent1">
+              <a:shade val="50000"/>
+            </a:schemeClr>
+          </a:lnRef>
+          <a:fillRef idx="1">
+            <a:schemeClr val="accent1"/>
+          </a:fillRef>
+          <a:effectRef idx="0">
+            <a:schemeClr val="accent1"/>
+          </a:effectRef>
+          <a:fontRef idx="minor">
+            <a:schemeClr val="lt1"/>
+          </a:fontRef>
+        </p:style>
+        <p:txBody>
+          <a:bodyPr rtlCol="0" anchor="ctr"/>
+          <a:lstStyle/>
+          <a:p>
+            <a:pPr algn="ctr"/>
+            <a:endParaRPr lang="en-IN"/>
+          </a:p>
+        </p:txBody>
+      </p:sp>
+      <p:sp>
+        <p:nvSpPr>
+          <p:cNvPr id="18" name="Oval 17">
+            <a:extLst>
+              <a:ext uri="{FF2B5EF4-FFF2-40B4-BE49-F238E27FC236}">
+                <a16:creationId xmlns:a16="http://schemas.microsoft.com/office/drawing/2014/main" id="{5C05FE8D-DDFE-43AE-A52B-2CD6E6F90A78}"/>
+              </a:ext>
+            </a:extLst>
+          </p:cNvPr>
+          <p:cNvSpPr/>
+          <p:nvPr/>
+        </p:nvSpPr>
+        <p:spPr>
+          <a:xfrm>
+            <a:off x="5236520" y="4579778"/>
+            <a:ext cx="200005" cy="200025"/>
+          </a:xfrm>
+          <a:prstGeom prst="ellipse">
+            <a:avLst/>
+          </a:prstGeom>
+          <a:solidFill>
+            <a:schemeClr val="bg1"/>
+          </a:solidFill>
+          <a:ln>
+            <a:solidFill>
+              <a:schemeClr val="bg1"/>
+            </a:solidFill>
+          </a:ln>
+        </p:spPr>
+        <p:style>
+          <a:lnRef idx="2">
+            <a:schemeClr val="accent1">
+              <a:shade val="50000"/>
+            </a:schemeClr>
+          </a:lnRef>
+          <a:fillRef idx="1">
+            <a:schemeClr val="accent1"/>
+          </a:fillRef>
+          <a:effectRef idx="0">
+            <a:schemeClr val="accent1"/>
+          </a:effectRef>
+          <a:fontRef idx="minor">
+            <a:schemeClr val="lt1"/>
+          </a:fontRef>
+        </p:style>
+        <p:txBody>
+          <a:bodyPr rtlCol="0" anchor="ctr"/>
+          <a:lstStyle/>
+          <a:p>
+            <a:pPr algn="ctr"/>
+            <a:endParaRPr lang="en-IN"/>
+          </a:p>
+        </p:txBody>
+      </p:sp>
+      <p:sp>
+        <p:nvSpPr>
+          <p:cNvPr id="19" name="Oval 18">
+            <a:extLst>
+              <a:ext uri="{FF2B5EF4-FFF2-40B4-BE49-F238E27FC236}">
+                <a16:creationId xmlns:a16="http://schemas.microsoft.com/office/drawing/2014/main" id="{1FAF19CD-477B-4697-B8BD-6EAF102C4EC1}"/>
+              </a:ext>
+            </a:extLst>
+          </p:cNvPr>
+          <p:cNvSpPr/>
+          <p:nvPr/>
+        </p:nvSpPr>
+        <p:spPr>
+          <a:xfrm>
+            <a:off x="5236520" y="2725785"/>
+            <a:ext cx="200005" cy="200025"/>
+          </a:xfrm>
+          <a:prstGeom prst="ellipse">
+            <a:avLst/>
+          </a:prstGeom>
+          <a:solidFill>
+            <a:schemeClr val="bg1"/>
+          </a:solidFill>
+          <a:ln>
+            <a:solidFill>
+              <a:schemeClr val="bg1"/>
+            </a:solidFill>
+          </a:ln>
+        </p:spPr>
+        <p:style>
+          <a:lnRef idx="2">
+            <a:schemeClr val="accent1">
+              <a:shade val="50000"/>
+            </a:schemeClr>
+          </a:lnRef>
+          <a:fillRef idx="1">
+            <a:schemeClr val="accent1"/>
+          </a:fillRef>
+          <a:effectRef idx="0">
+            <a:schemeClr val="accent1"/>
+          </a:effectRef>
+          <a:fontRef idx="minor">
+            <a:schemeClr val="lt1"/>
+          </a:fontRef>
+        </p:style>
+        <p:txBody>
+          <a:bodyPr rtlCol="0" anchor="ctr"/>
+          <a:lstStyle/>
+          <a:p>
+            <a:pPr algn="ctr"/>
+            <a:endParaRPr lang="en-IN"/>
+          </a:p>
+        </p:txBody>
+      </p:sp>
+      <p:sp>
+        <p:nvSpPr>
+          <p:cNvPr id="20" name="Oval 19">
+            <a:extLst>
+              <a:ext uri="{FF2B5EF4-FFF2-40B4-BE49-F238E27FC236}">
+                <a16:creationId xmlns:a16="http://schemas.microsoft.com/office/drawing/2014/main" id="{B25B2447-33F9-4FEE-8245-90119C56BDD1}"/>
+              </a:ext>
+            </a:extLst>
+          </p:cNvPr>
+          <p:cNvSpPr/>
+          <p:nvPr/>
+        </p:nvSpPr>
+        <p:spPr>
+          <a:xfrm>
+            <a:off x="5217487" y="3653972"/>
+            <a:ext cx="200005" cy="200025"/>
+          </a:xfrm>
+          <a:prstGeom prst="ellipse">
+            <a:avLst/>
+          </a:prstGeom>
+          <a:solidFill>
+            <a:schemeClr val="bg1"/>
+          </a:solidFill>
+          <a:ln>
+            <a:solidFill>
+              <a:schemeClr val="bg1"/>
+            </a:solidFill>
+          </a:ln>
+        </p:spPr>
+        <p:style>
+          <a:lnRef idx="2">
+            <a:schemeClr val="accent1">
+              <a:shade val="50000"/>
+            </a:schemeClr>
+          </a:lnRef>
+          <a:fillRef idx="1">
+            <a:schemeClr val="accent1"/>
+          </a:fillRef>
+          <a:effectRef idx="0">
+            <a:schemeClr val="accent1"/>
+          </a:effectRef>
+          <a:fontRef idx="minor">
+            <a:schemeClr val="lt1"/>
+          </a:fontRef>
+        </p:style>
+        <p:txBody>
+          <a:bodyPr rtlCol="0" anchor="ctr"/>
+          <a:lstStyle/>
+          <a:p>
+            <a:pPr algn="ctr"/>
+            <a:endParaRPr lang="en-IN"/>
+          </a:p>
+        </p:txBody>
+      </p:sp>
+      <p:sp>
+        <p:nvSpPr>
+          <p:cNvPr id="21" name="Oval 20">
+            <a:extLst>
+              <a:ext uri="{FF2B5EF4-FFF2-40B4-BE49-F238E27FC236}">
+                <a16:creationId xmlns:a16="http://schemas.microsoft.com/office/drawing/2014/main" id="{C52D3CAC-4D2E-414F-9155-0962FDBA536A}"/>
+              </a:ext>
+            </a:extLst>
+          </p:cNvPr>
+          <p:cNvSpPr/>
+          <p:nvPr/>
+        </p:nvSpPr>
+        <p:spPr>
+          <a:xfrm>
+            <a:off x="7274906" y="2622390"/>
+            <a:ext cx="200005" cy="200025"/>
+          </a:xfrm>
+          <a:prstGeom prst="ellipse">
+            <a:avLst/>
+          </a:prstGeom>
+          <a:solidFill>
+            <a:schemeClr val="bg1"/>
+          </a:solidFill>
+          <a:ln>
+            <a:solidFill>
+              <a:schemeClr val="bg1"/>
+            </a:solidFill>
+          </a:ln>
+        </p:spPr>
+        <p:style>
+          <a:lnRef idx="2">
+            <a:schemeClr val="accent1">
+              <a:shade val="50000"/>
+            </a:schemeClr>
+          </a:lnRef>
+          <a:fillRef idx="1">
+            <a:schemeClr val="accent1"/>
+          </a:fillRef>
+          <a:effectRef idx="0">
+            <a:schemeClr val="accent1"/>
+          </a:effectRef>
+          <a:fontRef idx="minor">
+            <a:schemeClr val="lt1"/>
+          </a:fontRef>
+        </p:style>
+        <p:txBody>
+          <a:bodyPr rtlCol="0" anchor="ctr"/>
+          <a:lstStyle/>
+          <a:p>
+            <a:pPr algn="ctr"/>
+            <a:endParaRPr lang="en-IN"/>
+          </a:p>
+        </p:txBody>
+      </p:sp>
+      <p:sp>
+        <p:nvSpPr>
+          <p:cNvPr id="22" name="Oval 21">
+            <a:extLst>
+              <a:ext uri="{FF2B5EF4-FFF2-40B4-BE49-F238E27FC236}">
+                <a16:creationId xmlns:a16="http://schemas.microsoft.com/office/drawing/2014/main" id="{4E0CDB58-EC16-49E3-8C52-EC93BB61EAEE}"/>
+              </a:ext>
+            </a:extLst>
+          </p:cNvPr>
+          <p:cNvSpPr/>
+          <p:nvPr/>
+        </p:nvSpPr>
+        <p:spPr>
+          <a:xfrm>
+            <a:off x="7293954" y="1498441"/>
+            <a:ext cx="200005" cy="200025"/>
+          </a:xfrm>
+          <a:prstGeom prst="ellipse">
+            <a:avLst/>
+          </a:prstGeom>
+          <a:solidFill>
+            <a:schemeClr val="bg1"/>
+          </a:solidFill>
+          <a:ln>
+            <a:solidFill>
+              <a:schemeClr val="bg1"/>
+            </a:solidFill>
+          </a:ln>
+        </p:spPr>
+        <p:style>
+          <a:lnRef idx="2">
+            <a:schemeClr val="accent1">
+              <a:shade val="50000"/>
+            </a:schemeClr>
+          </a:lnRef>
+          <a:fillRef idx="1">
+            <a:schemeClr val="accent1"/>
+          </a:fillRef>
+          <a:effectRef idx="0">
+            <a:schemeClr val="accent1"/>
+          </a:effectRef>
+          <a:fontRef idx="minor">
+            <a:schemeClr val="lt1"/>
+          </a:fontRef>
+        </p:style>
+        <p:txBody>
+          <a:bodyPr rtlCol="0" anchor="ctr"/>
+          <a:lstStyle/>
+          <a:p>
+            <a:pPr algn="ctr"/>
+            <a:endParaRPr lang="en-IN"/>
+          </a:p>
+        </p:txBody>
+      </p:sp>
+      <p:sp>
+        <p:nvSpPr>
+          <p:cNvPr id="23" name="Oval 22">
+            <a:extLst>
+              <a:ext uri="{FF2B5EF4-FFF2-40B4-BE49-F238E27FC236}">
+                <a16:creationId xmlns:a16="http://schemas.microsoft.com/office/drawing/2014/main" id="{FA4E3015-334B-49E9-9B94-46C319BF445F}"/>
+              </a:ext>
+            </a:extLst>
+          </p:cNvPr>
+          <p:cNvSpPr/>
+          <p:nvPr/>
+        </p:nvSpPr>
+        <p:spPr>
+          <a:xfrm>
+            <a:off x="6408110" y="1258148"/>
+            <a:ext cx="200005" cy="200025"/>
+          </a:xfrm>
+          <a:prstGeom prst="ellipse">
+            <a:avLst/>
+          </a:prstGeom>
+          <a:solidFill>
+            <a:schemeClr val="bg1"/>
+          </a:solidFill>
+          <a:ln>
+            <a:solidFill>
+              <a:schemeClr val="bg1"/>
+            </a:solidFill>
+          </a:ln>
+        </p:spPr>
+        <p:style>
+          <a:lnRef idx="2">
+            <a:schemeClr val="accent1">
+              <a:shade val="50000"/>
+            </a:schemeClr>
+          </a:lnRef>
+          <a:fillRef idx="1">
+            <a:schemeClr val="accent1"/>
+          </a:fillRef>
+          <a:effectRef idx="0">
+            <a:schemeClr val="accent1"/>
+          </a:effectRef>
+          <a:fontRef idx="minor">
+            <a:schemeClr val="lt1"/>
+          </a:fontRef>
+        </p:style>
+        <p:txBody>
+          <a:bodyPr rtlCol="0" anchor="ctr"/>
+          <a:lstStyle/>
+          <a:p>
+            <a:pPr algn="ctr"/>
+            <a:endParaRPr lang="en-IN"/>
+          </a:p>
+        </p:txBody>
+      </p:sp>
+      <p:sp>
+        <p:nvSpPr>
+          <p:cNvPr id="24" name="Oval 23">
+            <a:extLst>
+              <a:ext uri="{FF2B5EF4-FFF2-40B4-BE49-F238E27FC236}">
+                <a16:creationId xmlns:a16="http://schemas.microsoft.com/office/drawing/2014/main" id="{BE42D214-7E97-40F7-B52C-367F48DF46E1}"/>
+              </a:ext>
+            </a:extLst>
+          </p:cNvPr>
+          <p:cNvSpPr/>
+          <p:nvPr/>
+        </p:nvSpPr>
+        <p:spPr>
+          <a:xfrm>
+            <a:off x="6408109" y="2270466"/>
+            <a:ext cx="200005" cy="200025"/>
+          </a:xfrm>
+          <a:prstGeom prst="ellipse">
+            <a:avLst/>
+          </a:prstGeom>
+          <a:solidFill>
+            <a:schemeClr val="bg1"/>
+          </a:solidFill>
+          <a:ln>
+            <a:solidFill>
+              <a:schemeClr val="bg1"/>
+            </a:solidFill>
+          </a:ln>
+        </p:spPr>
+        <p:style>
+          <a:lnRef idx="2">
+            <a:schemeClr val="accent1">
+              <a:shade val="50000"/>
+            </a:schemeClr>
+          </a:lnRef>
+          <a:fillRef idx="1">
+            <a:schemeClr val="accent1"/>
+          </a:fillRef>
+          <a:effectRef idx="0">
+            <a:schemeClr val="accent1"/>
+          </a:effectRef>
+          <a:fontRef idx="minor">
+            <a:schemeClr val="lt1"/>
+          </a:fontRef>
+        </p:style>
+        <p:txBody>
+          <a:bodyPr rtlCol="0" anchor="ctr"/>
+          <a:lstStyle/>
+          <a:p>
+            <a:pPr algn="ctr"/>
+            <a:endParaRPr lang="en-IN"/>
+          </a:p>
+        </p:txBody>
+      </p:sp>
+      <p:sp>
+        <p:nvSpPr>
+          <p:cNvPr id="25" name="Oval 24">
+            <a:extLst>
+              <a:ext uri="{FF2B5EF4-FFF2-40B4-BE49-F238E27FC236}">
+                <a16:creationId xmlns:a16="http://schemas.microsoft.com/office/drawing/2014/main" id="{E3982654-A590-4018-8E04-3937ACBCBBFC}"/>
+              </a:ext>
+            </a:extLst>
+          </p:cNvPr>
+          <p:cNvSpPr/>
+          <p:nvPr/>
+        </p:nvSpPr>
+        <p:spPr>
+          <a:xfrm>
+            <a:off x="6408108" y="4386896"/>
+            <a:ext cx="200005" cy="200025"/>
+          </a:xfrm>
+          <a:prstGeom prst="ellipse">
+            <a:avLst/>
+          </a:prstGeom>
+          <a:solidFill>
+            <a:schemeClr val="bg1"/>
+          </a:solidFill>
+          <a:ln>
+            <a:solidFill>
+              <a:schemeClr val="bg1"/>
+            </a:solidFill>
+          </a:ln>
+        </p:spPr>
+        <p:style>
+          <a:lnRef idx="2">
+            <a:schemeClr val="accent1">
+              <a:shade val="50000"/>
+            </a:schemeClr>
+          </a:lnRef>
+          <a:fillRef idx="1">
+            <a:schemeClr val="accent1"/>
+          </a:fillRef>
+          <a:effectRef idx="0">
+            <a:schemeClr val="accent1"/>
+          </a:effectRef>
+          <a:fontRef idx="minor">
+            <a:schemeClr val="lt1"/>
+          </a:fontRef>
+        </p:style>
+        <p:txBody>
+          <a:bodyPr rtlCol="0" anchor="ctr"/>
+          <a:lstStyle/>
+          <a:p>
+            <a:pPr algn="ctr"/>
+            <a:endParaRPr lang="en-IN"/>
+          </a:p>
+        </p:txBody>
+      </p:sp>
+      <p:sp>
+        <p:nvSpPr>
+          <p:cNvPr id="26" name="Oval 25">
+            <a:extLst>
+              <a:ext uri="{FF2B5EF4-FFF2-40B4-BE49-F238E27FC236}">
+                <a16:creationId xmlns:a16="http://schemas.microsoft.com/office/drawing/2014/main" id="{80ABB966-C450-4ACB-8740-2210ECF473DD}"/>
+              </a:ext>
+            </a:extLst>
+          </p:cNvPr>
+          <p:cNvSpPr/>
+          <p:nvPr/>
+        </p:nvSpPr>
+        <p:spPr>
+          <a:xfrm>
+            <a:off x="6408107" y="6137116"/>
+            <a:ext cx="200005" cy="200025"/>
+          </a:xfrm>
+          <a:prstGeom prst="ellipse">
+            <a:avLst/>
+          </a:prstGeom>
+          <a:solidFill>
+            <a:schemeClr val="bg1"/>
+          </a:solidFill>
+          <a:ln>
+            <a:solidFill>
+              <a:schemeClr val="bg1"/>
+            </a:solidFill>
+          </a:ln>
+        </p:spPr>
+        <p:style>
+          <a:lnRef idx="2">
+            <a:schemeClr val="accent1">
+              <a:shade val="50000"/>
+            </a:schemeClr>
+          </a:lnRef>
+          <a:fillRef idx="1">
+            <a:schemeClr val="accent1"/>
+          </a:fillRef>
+          <a:effectRef idx="0">
+            <a:schemeClr val="accent1"/>
+          </a:effectRef>
+          <a:fontRef idx="minor">
+            <a:schemeClr val="lt1"/>
+          </a:fontRef>
+        </p:style>
+        <p:txBody>
+          <a:bodyPr rtlCol="0" anchor="ctr"/>
+          <a:lstStyle/>
+          <a:p>
+            <a:pPr algn="ctr"/>
+            <a:endParaRPr lang="en-IN"/>
+          </a:p>
+        </p:txBody>
+      </p:sp>
+      <p:sp>
+        <p:nvSpPr>
+          <p:cNvPr id="34" name="TextBox 33">
+            <a:extLst>
+              <a:ext uri="{FF2B5EF4-FFF2-40B4-BE49-F238E27FC236}">
+                <a16:creationId xmlns:a16="http://schemas.microsoft.com/office/drawing/2014/main" id="{798951D4-3AE9-4A97-92E9-C4085291315A}"/>
+              </a:ext>
+            </a:extLst>
+          </p:cNvPr>
+          <p:cNvSpPr txBox="1"/>
+          <p:nvPr/>
+        </p:nvSpPr>
+        <p:spPr>
+          <a:xfrm>
+            <a:off x="788810" y="2157017"/>
+            <a:ext cx="3241024" cy="2543966"/>
+          </a:xfrm>
+          <a:prstGeom prst="rect">
+            <a:avLst/>
+          </a:prstGeom>
+          <a:noFill/>
+        </p:spPr>
+        <p:txBody>
+          <a:bodyPr wrap="square" rtlCol="0">
+            <a:spAutoFit/>
+          </a:bodyPr>
+          <a:lstStyle/>
+          <a:p>
+            <a:pPr marL="457200" indent="-457200">
+              <a:lnSpc>
+                <a:spcPct val="200000"/>
+              </a:lnSpc>
+              <a:buFont typeface="Arial" panose="020B0604020202020204" pitchFamily="34" charset="0"/>
+              <a:buChar char="•"/>
+            </a:pPr>
+            <a:r>
+              <a:rPr lang="en-IN" sz="2800" dirty="0">
+                <a:solidFill>
+                  <a:schemeClr val="bg1"/>
+                </a:solidFill>
+                <a:latin typeface="Roboto" panose="02000000000000000000"/>
+              </a:rPr>
+              <a:t>Integration</a:t>
+            </a:r>
+          </a:p>
+          <a:p>
+            <a:pPr marL="457200" indent="-457200">
+              <a:lnSpc>
+                <a:spcPct val="200000"/>
+              </a:lnSpc>
+              <a:buFont typeface="Arial" panose="020B0604020202020204" pitchFamily="34" charset="0"/>
+              <a:buChar char="•"/>
+            </a:pPr>
+            <a:r>
+              <a:rPr lang="en-IN" sz="2800" dirty="0">
+                <a:solidFill>
+                  <a:schemeClr val="bg1"/>
+                </a:solidFill>
+                <a:latin typeface="Roboto" panose="02000000000000000000"/>
+              </a:rPr>
+              <a:t>Collaboration</a:t>
+            </a:r>
+          </a:p>
+          <a:p>
+            <a:pPr marL="457200" indent="-457200">
+              <a:lnSpc>
+                <a:spcPct val="200000"/>
+              </a:lnSpc>
+              <a:buFont typeface="Arial" panose="020B0604020202020204" pitchFamily="34" charset="0"/>
+              <a:buChar char="•"/>
+            </a:pPr>
+            <a:r>
+              <a:rPr lang="en-IN" sz="2800" dirty="0">
+                <a:solidFill>
+                  <a:schemeClr val="bg1"/>
+                </a:solidFill>
+                <a:latin typeface="Roboto" panose="02000000000000000000"/>
+              </a:rPr>
+              <a:t>Version Control</a:t>
+            </a:r>
+          </a:p>
+        </p:txBody>
+      </p:sp>
+      <p:pic>
+        <p:nvPicPr>
+          <p:cNvPr id="1032" name="Picture 8" descr="Image result for white github logo png">
+            <a:extLst>
+              <a:ext uri="{FF2B5EF4-FFF2-40B4-BE49-F238E27FC236}">
+                <a16:creationId xmlns:a16="http://schemas.microsoft.com/office/drawing/2014/main" id="{6CEBF3E5-8D73-4151-9F5D-30C163AE9B88}"/>
+              </a:ext>
+            </a:extLst>
+          </p:cNvPr>
+          <p:cNvPicPr>
+            <a:picLocks noChangeAspect="1" noChangeArrowheads="1"/>
+          </p:cNvPicPr>
+          <p:nvPr/>
+        </p:nvPicPr>
+        <p:blipFill>
+          <a:blip r:embed="rId3">
+            <a:extLst>
+              <a:ext uri="{28A0092B-C50C-407E-A947-70E740481C1C}">
+                <a14:useLocalDpi xmlns:a14="http://schemas.microsoft.com/office/drawing/2010/main" val="0"/>
+              </a:ext>
+            </a:extLst>
+          </a:blip>
+          <a:srcRect/>
+          <a:stretch>
+            <a:fillRect/>
+          </a:stretch>
+        </p:blipFill>
+        <p:spPr bwMode="auto">
+          <a:xfrm>
+            <a:off x="9457897" y="2881350"/>
+            <a:ext cx="1945293" cy="1945293"/>
+          </a:xfrm>
+          <a:prstGeom prst="rect">
+            <a:avLst/>
+          </a:prstGeom>
+          <a:solidFill>
+            <a:schemeClr val="bg1"/>
+          </a:solidFill>
+        </p:spPr>
+      </p:pic>
+      <p:pic>
+        <p:nvPicPr>
+          <p:cNvPr id="38" name="Graphic 37" descr="Heart">
+            <a:extLst>
+              <a:ext uri="{FF2B5EF4-FFF2-40B4-BE49-F238E27FC236}">
+                <a16:creationId xmlns:a16="http://schemas.microsoft.com/office/drawing/2014/main" id="{56ACFEFB-E7D8-45EF-9C41-37DE792D1B11}"/>
+              </a:ext>
+            </a:extLst>
+          </p:cNvPr>
+          <p:cNvPicPr>
+            <a:picLocks noChangeAspect="1"/>
+          </p:cNvPicPr>
+          <p:nvPr/>
+        </p:nvPicPr>
+        <p:blipFill>
+          <a:blip r:embed="rId4">
+            <a:extLst>
+              <a:ext uri="{28A0092B-C50C-407E-A947-70E740481C1C}">
+                <a14:useLocalDpi xmlns:a14="http://schemas.microsoft.com/office/drawing/2010/main" val="0"/>
+              </a:ext>
+              <a:ext uri="{96DAC541-7B7A-43D3-8B79-37D633B846F1}">
+                <asvg:svgBlip xmlns:asvg="http://schemas.microsoft.com/office/drawing/2016/SVG/main" r:embed="rId5"/>
+              </a:ext>
+            </a:extLst>
+          </a:blip>
+          <a:stretch>
+            <a:fillRect/>
+          </a:stretch>
+        </p:blipFill>
+        <p:spPr>
+          <a:xfrm>
+            <a:off x="8724432" y="4224959"/>
+            <a:ext cx="723924" cy="723924"/>
+          </a:xfrm>
+          <a:prstGeom prst="rect">
+            <a:avLst/>
+          </a:prstGeom>
+        </p:spPr>
+      </p:pic>
+    </p:spTree>
+    <p:extLst>
+      <p:ext uri="{BB962C8B-B14F-4D97-AF65-F5344CB8AC3E}">
+        <p14:creationId xmlns:p14="http://schemas.microsoft.com/office/powerpoint/2010/main" val="2713132907"/>
+      </p:ext>
+    </p:extLst>
+  </p:cSld>
+  <p:clrMapOvr>
+    <a:masterClrMapping/>
+  </p:clrMapOvr>
+</p:sld>
+</file>
+
+<file path=ppt/slides/slide6.xml><?xml version="1.0" encoding="utf-8"?>
+<p:sld xmlns:a="http://schemas.openxmlformats.org/drawingml/2006/main" xmlns:r="http://schemas.openxmlformats.org/officeDocument/2006/relationships" xmlns:p="http://schemas.openxmlformats.org/presentationml/2006/main">
+  <p:cSld>
+    <p:bg>
+      <p:bgPr>
+        <a:solidFill>
+          <a:srgbClr val="081A42"/>
+        </a:solidFill>
+        <a:effectLst/>
+      </p:bgPr>
+    </p:bg>
+    <p:spTree>
+      <p:nvGrpSpPr>
+        <p:cNvPr id="1" name=""/>
+        <p:cNvGrpSpPr/>
+        <p:nvPr/>
+      </p:nvGrpSpPr>
+      <p:grpSpPr>
+        <a:xfrm>
+          <a:off x="0" y="0"/>
+          <a:ext cx="0" cy="0"/>
+          <a:chOff x="0" y="0"/>
+          <a:chExt cx="0" cy="0"/>
+        </a:xfrm>
+      </p:grpSpPr>
+      <p:pic>
+        <p:nvPicPr>
+          <p:cNvPr id="4" name="Picture 3">
+            <a:extLst>
+              <a:ext uri="{FF2B5EF4-FFF2-40B4-BE49-F238E27FC236}">
+                <a16:creationId xmlns:a16="http://schemas.microsoft.com/office/drawing/2014/main" id="{014D7FD8-ED04-4449-B482-D9A32015709A}"/>
+              </a:ext>
+            </a:extLst>
+          </p:cNvPr>
+          <p:cNvPicPr>
+            <a:picLocks noChangeAspect="1"/>
+          </p:cNvPicPr>
+          <p:nvPr/>
+        </p:nvPicPr>
+        <p:blipFill>
+          <a:blip r:embed="rId2">
+            <a:extLst>
+              <a:ext uri="{28A0092B-C50C-407E-A947-70E740481C1C}">
+                <a14:useLocalDpi xmlns:a14="http://schemas.microsoft.com/office/drawing/2010/main" val="0"/>
+              </a:ext>
+            </a:extLst>
+          </a:blip>
+          <a:stretch>
+            <a:fillRect/>
+          </a:stretch>
+        </p:blipFill>
+        <p:spPr>
+          <a:xfrm>
+            <a:off x="7614607" y="0"/>
+            <a:ext cx="4577395" cy="6858000"/>
+          </a:xfrm>
+          <a:prstGeom prst="rect">
+            <a:avLst/>
+          </a:prstGeom>
+        </p:spPr>
+      </p:pic>
+      <p:sp>
+        <p:nvSpPr>
+          <p:cNvPr id="5" name="TextBox 4">
+            <a:extLst>
+              <a:ext uri="{FF2B5EF4-FFF2-40B4-BE49-F238E27FC236}">
+                <a16:creationId xmlns:a16="http://schemas.microsoft.com/office/drawing/2014/main" id="{08B5F4A5-4884-4B1B-B7BC-5398690B518D}"/>
+              </a:ext>
+            </a:extLst>
+          </p:cNvPr>
+          <p:cNvSpPr txBox="1"/>
+          <p:nvPr/>
+        </p:nvSpPr>
+        <p:spPr>
+          <a:xfrm>
+            <a:off x="180975" y="1843385"/>
+            <a:ext cx="7052630" cy="830997"/>
+          </a:xfrm>
+          <a:prstGeom prst="rect">
+            <a:avLst/>
+          </a:prstGeom>
+          <a:noFill/>
+        </p:spPr>
+        <p:txBody>
+          <a:bodyPr wrap="square" rtlCol="0">
+            <a:spAutoFit/>
+          </a:bodyPr>
+          <a:lstStyle/>
+          <a:p>
+            <a:pPr algn="ctr"/>
+            <a:r>
+              <a:rPr lang="en-US" sz="4800" b="1" dirty="0">
+                <a:solidFill>
+                  <a:schemeClr val="bg1"/>
+                </a:solidFill>
+                <a:latin typeface="Roboto" panose="02000000000000000000" pitchFamily="2" charset="0"/>
+                <a:ea typeface="Roboto" panose="02000000000000000000" pitchFamily="2" charset="0"/>
+              </a:rPr>
+              <a:t>LIVE DEMO</a:t>
+            </a:r>
+          </a:p>
+        </p:txBody>
+      </p:sp>
+    </p:spTree>
+    <p:extLst>
+      <p:ext uri="{BB962C8B-B14F-4D97-AF65-F5344CB8AC3E}">
+        <p14:creationId xmlns:p14="http://schemas.microsoft.com/office/powerpoint/2010/main" val="3967378803"/>
+      </p:ext>
+    </p:extLst>
+  </p:cSld>
+  <p:clrMapOvr>
+    <a:masterClrMapping/>
+  </p:clrMapOvr>
 </p:sld>
 </file>
 

--- a/MajorProject.pptx
+++ b/MajorProject.pptx
@@ -7854,7 +7854,7 @@
                 </a:solidFill>
                 <a:latin typeface="Roboto" panose="02000000000000000000"/>
               </a:rPr>
-              <a:t>Integration</a:t>
+              <a:t>Git</a:t>
             </a:r>
           </a:p>
           <a:p>
@@ -7872,7 +7872,7 @@
                 </a:solidFill>
                 <a:latin typeface="Roboto" panose="02000000000000000000"/>
               </a:rPr>
-              <a:t>Collaboration</a:t>
+              <a:t>Netflix OSS</a:t>
             </a:r>
           </a:p>
           <a:p>
@@ -7890,7 +7890,7 @@
                 </a:solidFill>
                 <a:latin typeface="Roboto" panose="02000000000000000000"/>
               </a:rPr>
-              <a:t>Version Control</a:t>
+              <a:t>AWS</a:t>
             </a:r>
           </a:p>
         </p:txBody>
@@ -7968,6 +7968,120 @@
           <a:xfrm>
             <a:off x="8724432" y="4224959"/>
             <a:ext cx="723924" cy="723924"/>
+          </a:xfrm>
+          <a:prstGeom prst="rect">
+            <a:avLst/>
+          </a:prstGeom>
+        </p:spPr>
+      </p:pic>
+      <p:sp>
+        <p:nvSpPr>
+          <p:cNvPr id="27" name="TextBox 26">
+            <a:extLst>
+              <a:ext uri="{FF2B5EF4-FFF2-40B4-BE49-F238E27FC236}">
+                <a16:creationId xmlns:a16="http://schemas.microsoft.com/office/drawing/2014/main" id="{54E0F980-3062-4FF9-B273-3BE5597EFED6}"/>
+              </a:ext>
+            </a:extLst>
+          </p:cNvPr>
+          <p:cNvSpPr txBox="1"/>
+          <p:nvPr/>
+        </p:nvSpPr>
+        <p:spPr>
+          <a:xfrm>
+            <a:off x="409575" y="543139"/>
+            <a:ext cx="3037566" cy="523220"/>
+          </a:xfrm>
+          <a:prstGeom prst="rect">
+            <a:avLst/>
+          </a:prstGeom>
+          <a:noFill/>
+        </p:spPr>
+        <p:txBody>
+          <a:bodyPr wrap="square" rtlCol="0">
+            <a:spAutoFit/>
+          </a:bodyPr>
+          <a:lstStyle/>
+          <a:p>
+            <a:pPr algn="ctr"/>
+            <a:r>
+              <a:rPr lang="en-US" sz="2800" b="1" dirty="0">
+                <a:solidFill>
+                  <a:schemeClr val="bg1"/>
+                </a:solidFill>
+                <a:latin typeface="Roboto" panose="02000000000000000000" pitchFamily="2" charset="0"/>
+                <a:ea typeface="Roboto" panose="02000000000000000000" pitchFamily="2" charset="0"/>
+              </a:rPr>
+              <a:t>Tools Used</a:t>
+            </a:r>
+          </a:p>
+        </p:txBody>
+      </p:sp>
+      <p:pic>
+        <p:nvPicPr>
+          <p:cNvPr id="3" name="Picture 2">
+            <a:extLst>
+              <a:ext uri="{FF2B5EF4-FFF2-40B4-BE49-F238E27FC236}">
+                <a16:creationId xmlns:a16="http://schemas.microsoft.com/office/drawing/2014/main" id="{980E1868-9D2F-4C5F-A514-956AF716A880}"/>
+              </a:ext>
+            </a:extLst>
+          </p:cNvPr>
+          <p:cNvPicPr>
+            <a:picLocks noChangeAspect="1"/>
+          </p:cNvPicPr>
+          <p:nvPr/>
+        </p:nvPicPr>
+        <p:blipFill>
+          <a:blip r:embed="rId6">
+            <a:extLst>
+              <a:ext uri="{28A0092B-C50C-407E-A947-70E740481C1C}">
+                <a14:useLocalDpi xmlns:a14="http://schemas.microsoft.com/office/drawing/2010/main" val="0"/>
+              </a:ext>
+            </a:extLst>
+          </a:blip>
+          <a:stretch>
+            <a:fillRect/>
+          </a:stretch>
+        </p:blipFill>
+        <p:spPr>
+          <a:xfrm>
+            <a:off x="8142425" y="1167584"/>
+            <a:ext cx="2107566" cy="1542531"/>
+          </a:xfrm>
+          <a:prstGeom prst="rect">
+            <a:avLst/>
+          </a:prstGeom>
+        </p:spPr>
+      </p:pic>
+      <p:pic>
+        <p:nvPicPr>
+          <p:cNvPr id="12" name="Picture 11">
+            <a:extLst>
+              <a:ext uri="{FF2B5EF4-FFF2-40B4-BE49-F238E27FC236}">
+                <a16:creationId xmlns:a16="http://schemas.microsoft.com/office/drawing/2014/main" id="{986C94DF-1FE8-4D7D-8DE8-784236DC943F}"/>
+              </a:ext>
+            </a:extLst>
+          </p:cNvPr>
+          <p:cNvPicPr>
+            <a:picLocks noChangeAspect="1"/>
+          </p:cNvPicPr>
+          <p:nvPr/>
+        </p:nvPicPr>
+        <p:blipFill>
+          <a:blip r:embed="rId7">
+            <a:extLst>
+              <a:ext uri="{28A0092B-C50C-407E-A947-70E740481C1C}">
+                <a14:useLocalDpi xmlns:a14="http://schemas.microsoft.com/office/drawing/2010/main" val="0"/>
+              </a:ext>
+            </a:extLst>
+          </a:blip>
+          <a:stretch>
+            <a:fillRect/>
+          </a:stretch>
+        </p:blipFill>
+        <p:spPr>
+          <a:xfrm>
+            <a:off x="8142425" y="5354874"/>
+            <a:ext cx="1992244" cy="1190894"/>
           </a:xfrm>
           <a:prstGeom prst="rect">
             <a:avLst/>

--- a/MajorProject.pptx
+++ b/MajorProject.pptx
@@ -3908,6 +3908,42 @@
           </a:p>
         </p:txBody>
       </p:sp>
+      <p:pic>
+        <p:nvPicPr>
+          <p:cNvPr id="17" name="Picture 16">
+            <a:extLst>
+              <a:ext uri="{FF2B5EF4-FFF2-40B4-BE49-F238E27FC236}">
+                <a16:creationId xmlns:a16="http://schemas.microsoft.com/office/drawing/2014/main" id="{7E8641C9-98B9-415F-AC9B-446FA05D55CC}"/>
+              </a:ext>
+            </a:extLst>
+          </p:cNvPr>
+          <p:cNvPicPr>
+            <a:picLocks noChangeAspect="1"/>
+          </p:cNvPicPr>
+          <p:nvPr/>
+        </p:nvPicPr>
+        <p:blipFill>
+          <a:blip r:embed="rId11">
+            <a:extLst>
+              <a:ext uri="{28A0092B-C50C-407E-A947-70E740481C1C}">
+                <a14:useLocalDpi xmlns:a14="http://schemas.microsoft.com/office/drawing/2010/main" val="0"/>
+              </a:ext>
+            </a:extLst>
+          </a:blip>
+          <a:stretch>
+            <a:fillRect/>
+          </a:stretch>
+        </p:blipFill>
+        <p:spPr>
+          <a:xfrm>
+            <a:off x="-1292" y="923544"/>
+            <a:ext cx="2178050" cy="5934456"/>
+          </a:xfrm>
+          <a:prstGeom prst="rect">
+            <a:avLst/>
+          </a:prstGeom>
+        </p:spPr>
+      </p:pic>
     </p:spTree>
     <p:extLst>
       <p:ext uri="{BB962C8B-B14F-4D97-AF65-F5344CB8AC3E}">
@@ -6918,7 +6954,7 @@
         </p:blipFill>
         <p:spPr>
           <a:xfrm>
-            <a:off x="4029834" y="0"/>
+            <a:off x="5584314" y="32165"/>
             <a:ext cx="8162166" cy="923544"/>
           </a:xfrm>
           <a:prstGeom prst="rect">
